--- a/docs/slides/PSYC761_L7_PrePostData.pptx
+++ b/docs/slides/PSYC761_L7_PrePostData.pptx
@@ -162,13 +162,61 @@
 <file path=ppt/revisionInfo.xml><?xml version="1.0" encoding="utf-8"?>
 <p1510:revInfo xmlns:a="http://schemas.openxmlformats.org/drawingml/2006/main" xmlns:r="http://schemas.openxmlformats.org/officeDocument/2006/relationships" xmlns:p1510="http://schemas.microsoft.com/office/powerpoint/2015/10/main">
   <p1510:revLst>
-    <p1510:client id="{5BFDDD9D-EAF9-4D49-A8F7-46A298D0BB53}" v="3" dt="2023-12-01T15:47:07.602"/>
+    <p1510:client id="{73AA60B9-D679-4675-BE48-2F33FDE99F43}" v="1" dt="2024-01-15T16:11:38.680"/>
   </p1510:revLst>
 </p1510:revInfo>
 </file>
 
 <file path=ppt/changesInfos/changesInfo1.xml><?xml version="1.0" encoding="utf-8"?>
 <pc:chgInfo xmlns:a="http://schemas.openxmlformats.org/drawingml/2006/main" xmlns:r="http://schemas.openxmlformats.org/officeDocument/2006/relationships" xmlns:ac="http://schemas.microsoft.com/office/drawing/2013/main/command" xmlns:pc="http://schemas.microsoft.com/office/powerpoint/2013/main/command">
+  <pc:docChgLst>
+    <pc:chgData name="Christopher Berry" userId="468ae48a-5539-4b21-98ea-6081f4d86140" providerId="ADAL" clId="{73AA60B9-D679-4675-BE48-2F33FDE99F43}"/>
+    <pc:docChg chg="modSld">
+      <pc:chgData name="Christopher Berry" userId="468ae48a-5539-4b21-98ea-6081f4d86140" providerId="ADAL" clId="{73AA60B9-D679-4675-BE48-2F33FDE99F43}" dt="2024-01-15T16:11:38.680" v="0"/>
+      <pc:docMkLst>
+        <pc:docMk/>
+      </pc:docMkLst>
+      <pc:sldChg chg="addSp modSp">
+        <pc:chgData name="Christopher Berry" userId="468ae48a-5539-4b21-98ea-6081f4d86140" providerId="ADAL" clId="{73AA60B9-D679-4675-BE48-2F33FDE99F43}" dt="2024-01-15T16:11:38.680" v="0"/>
+        <pc:sldMkLst>
+          <pc:docMk/>
+          <pc:sldMk cId="1337738250" sldId="257"/>
+        </pc:sldMkLst>
+        <pc:spChg chg="add mod">
+          <ac:chgData name="Christopher Berry" userId="468ae48a-5539-4b21-98ea-6081f4d86140" providerId="ADAL" clId="{73AA60B9-D679-4675-BE48-2F33FDE99F43}" dt="2024-01-15T16:11:38.680" v="0"/>
+          <ac:spMkLst>
+            <pc:docMk/>
+            <pc:sldMk cId="1337738250" sldId="257"/>
+            <ac:spMk id="5" creationId="{BE70E46E-3ABD-C511-98DE-B0032C27F111}"/>
+          </ac:spMkLst>
+        </pc:spChg>
+        <pc:spChg chg="add mod">
+          <ac:chgData name="Christopher Berry" userId="468ae48a-5539-4b21-98ea-6081f4d86140" providerId="ADAL" clId="{73AA60B9-D679-4675-BE48-2F33FDE99F43}" dt="2024-01-15T16:11:38.680" v="0"/>
+          <ac:spMkLst>
+            <pc:docMk/>
+            <pc:sldMk cId="1337738250" sldId="257"/>
+            <ac:spMk id="6" creationId="{6169A7EA-5EEA-5FFE-AB04-ED92B23126A6}"/>
+          </ac:spMkLst>
+        </pc:spChg>
+        <pc:picChg chg="add mod">
+          <ac:chgData name="Christopher Berry" userId="468ae48a-5539-4b21-98ea-6081f4d86140" providerId="ADAL" clId="{73AA60B9-D679-4675-BE48-2F33FDE99F43}" dt="2024-01-15T16:11:38.680" v="0"/>
+          <ac:picMkLst>
+            <pc:docMk/>
+            <pc:sldMk cId="1337738250" sldId="257"/>
+            <ac:picMk id="7" creationId="{A5216111-9A09-32E6-EB0D-1FC6C8D13C0B}"/>
+          </ac:picMkLst>
+        </pc:picChg>
+        <pc:picChg chg="add mod">
+          <ac:chgData name="Christopher Berry" userId="468ae48a-5539-4b21-98ea-6081f4d86140" providerId="ADAL" clId="{73AA60B9-D679-4675-BE48-2F33FDE99F43}" dt="2024-01-15T16:11:38.680" v="0"/>
+          <ac:picMkLst>
+            <pc:docMk/>
+            <pc:sldMk cId="1337738250" sldId="257"/>
+            <ac:picMk id="8" creationId="{2E365534-4B29-5208-D97F-8191031E3864}"/>
+          </ac:picMkLst>
+        </pc:picChg>
+      </pc:sldChg>
+    </pc:docChg>
+  </pc:docChgLst>
   <pc:docChgLst>
     <pc:chgData name="Christopher Berry" userId="468ae48a-5539-4b21-98ea-6081f4d86140" providerId="ADAL" clId="{3613AACA-DED3-40CA-A3BD-FCBB6F470970}"/>
     <pc:docChg chg="undo custSel modSld">
@@ -645,7 +693,7 @@
           <a:p>
             <a:fld id="{39F2F66B-899D-484E-9C99-E1DBE23F9DE9}" type="datetimeFigureOut">
               <a:rPr lang="en-GB" smtClean="0"/>
-              <a:t>01/12/2023</a:t>
+              <a:t>15/01/2024</a:t>
             </a:fld>
             <a:endParaRPr lang="en-GB"/>
           </a:p>
@@ -811,7 +859,7 @@
             <a:fld id="{2C09A945-60CF-41CC-BF14-DA645D9ABE0F}" type="datetimeFigureOut">
               <a:rPr lang="en-GB" smtClean="0"/>
               <a:pPr/>
-              <a:t>01/12/2023</a:t>
+              <a:t>15/01/2024</a:t>
             </a:fld>
             <a:endParaRPr lang="en-GB"/>
           </a:p>
@@ -2748,7 +2796,7 @@
             <a:fld id="{FD207E47-C1CA-47C9-BFA1-FDEFD1CE1BAA}" type="datetime1">
               <a:rPr lang="en-US" smtClean="0"/>
               <a:pPr/>
-              <a:t>12/1/2023</a:t>
+              <a:t>1/15/2024</a:t>
             </a:fld>
             <a:endParaRPr lang="en-US"/>
           </a:p>
@@ -2913,7 +2961,7 @@
             <a:fld id="{58C692B5-BE86-445D-88C0-242C83A9421E}" type="datetime1">
               <a:rPr lang="en-US" smtClean="0"/>
               <a:pPr/>
-              <a:t>12/1/2023</a:t>
+              <a:t>1/15/2024</a:t>
             </a:fld>
             <a:endParaRPr lang="en-US"/>
           </a:p>
@@ -3088,7 +3136,7 @@
             <a:fld id="{6A70B350-EB04-4702-A2C6-BB029CC917C4}" type="datetime1">
               <a:rPr lang="en-US" smtClean="0"/>
               <a:pPr/>
-              <a:t>12/1/2023</a:t>
+              <a:t>1/15/2024</a:t>
             </a:fld>
             <a:endParaRPr lang="en-US"/>
           </a:p>
@@ -3253,7 +3301,7 @@
             <a:fld id="{B19C5C7B-1CCF-4D03-A2E8-D3591213E0F6}" type="datetime1">
               <a:rPr lang="en-US" smtClean="0"/>
               <a:pPr/>
-              <a:t>12/1/2023</a:t>
+              <a:t>1/15/2024</a:t>
             </a:fld>
             <a:endParaRPr lang="en-US"/>
           </a:p>
@@ -3495,7 +3543,7 @@
             <a:fld id="{617DE08F-8114-45C2-9520-EC1882F8A669}" type="datetime1">
               <a:rPr lang="en-US" smtClean="0"/>
               <a:pPr/>
-              <a:t>12/1/2023</a:t>
+              <a:t>1/15/2024</a:t>
             </a:fld>
             <a:endParaRPr lang="en-US"/>
           </a:p>
@@ -3777,7 +3825,7 @@
             <a:fld id="{67FBBCEA-51D6-4D4F-B700-EBDD8904452C}" type="datetime1">
               <a:rPr lang="en-US" smtClean="0"/>
               <a:pPr/>
-              <a:t>12/1/2023</a:t>
+              <a:t>1/15/2024</a:t>
             </a:fld>
             <a:endParaRPr lang="en-US"/>
           </a:p>
@@ -4193,7 +4241,7 @@
             <a:fld id="{7C3355C0-4DE2-42D1-B918-7B0FCE7481FD}" type="datetime1">
               <a:rPr lang="en-US" smtClean="0"/>
               <a:pPr/>
-              <a:t>12/1/2023</a:t>
+              <a:t>1/15/2024</a:t>
             </a:fld>
             <a:endParaRPr lang="en-US"/>
           </a:p>
@@ -4307,7 +4355,7 @@
             <a:fld id="{41F9056E-53B5-467C-A68C-D5DD1F771BB5}" type="datetime1">
               <a:rPr lang="en-US" smtClean="0"/>
               <a:pPr/>
-              <a:t>12/1/2023</a:t>
+              <a:t>1/15/2024</a:t>
             </a:fld>
             <a:endParaRPr lang="en-US"/>
           </a:p>
@@ -4399,7 +4447,7 @@
             <a:fld id="{73236B7C-1414-4D49-8A59-8F56128C501B}" type="datetime1">
               <a:rPr lang="en-US" smtClean="0"/>
               <a:pPr/>
-              <a:t>12/1/2023</a:t>
+              <a:t>1/15/2024</a:t>
             </a:fld>
             <a:endParaRPr lang="en-US"/>
           </a:p>
@@ -4671,7 +4719,7 @@
             <a:fld id="{A40AEADC-23C0-4767-9AD7-3E7B6C343A0A}" type="datetime1">
               <a:rPr lang="en-US" smtClean="0"/>
               <a:pPr/>
-              <a:t>12/1/2023</a:t>
+              <a:t>1/15/2024</a:t>
             </a:fld>
             <a:endParaRPr lang="en-US"/>
           </a:p>
@@ -4920,7 +4968,7 @@
             <a:fld id="{07762B3B-4AFD-4E39-B6F8-E1A2354BA336}" type="datetime1">
               <a:rPr lang="en-US" smtClean="0"/>
               <a:pPr/>
-              <a:t>12/1/2023</a:t>
+              <a:t>1/15/2024</a:t>
             </a:fld>
             <a:endParaRPr lang="en-US"/>
           </a:p>
@@ -5133,7 +5181,7 @@
             <a:fld id="{16C4ABC6-3BA1-4854-92CA-2B0133ECAB44}" type="datetime1">
               <a:rPr lang="en-US" smtClean="0"/>
               <a:pPr/>
-              <a:t>12/1/2023</a:t>
+              <a:t>1/15/2024</a:t>
             </a:fld>
             <a:endParaRPr lang="en-US"/>
           </a:p>
@@ -5692,6 +5740,764 @@
           </a:p>
         </p:txBody>
       </p:sp>
+      <p:sp>
+        <p:nvSpPr>
+          <p:cNvPr id="5" name="Content Placeholder 2">
+            <a:extLst>
+              <a:ext uri="{FF2B5EF4-FFF2-40B4-BE49-F238E27FC236}">
+                <a16:creationId xmlns:a16="http://schemas.microsoft.com/office/drawing/2014/main" id="{BE70E46E-3ABD-C511-98DE-B0032C27F111}"/>
+              </a:ext>
+            </a:extLst>
+          </p:cNvPr>
+          <p:cNvSpPr txBox="1">
+            <a:spLocks/>
+          </p:cNvSpPr>
+          <p:nvPr/>
+        </p:nvSpPr>
+        <p:spPr>
+          <a:xfrm>
+            <a:off x="3027939" y="5267001"/>
+            <a:ext cx="3265095" cy="1057599"/>
+          </a:xfrm>
+          <a:prstGeom prst="rect">
+            <a:avLst/>
+          </a:prstGeom>
+        </p:spPr>
+        <p:txBody>
+          <a:bodyPr vert="horz" lIns="91440" tIns="45720" rIns="91440" bIns="45720" rtlCol="0">
+            <a:noAutofit/>
+          </a:bodyPr>
+          <a:lstStyle>
+            <a:lvl1pPr marL="228600" indent="-228600" algn="l" defTabSz="914400" rtl="0" eaLnBrk="1" latinLnBrk="0" hangingPunct="1">
+              <a:lnSpc>
+                <a:spcPct val="90000"/>
+              </a:lnSpc>
+              <a:spcBef>
+                <a:spcPts val="1000"/>
+              </a:spcBef>
+              <a:buFont typeface="Arial" panose="020B0604020202020204" pitchFamily="34" charset="0"/>
+              <a:buChar char="•"/>
+              <a:defRPr sz="2800" kern="1200">
+                <a:solidFill>
+                  <a:schemeClr val="tx1"/>
+                </a:solidFill>
+                <a:latin typeface="+mn-lt"/>
+                <a:ea typeface="+mn-ea"/>
+                <a:cs typeface="+mn-cs"/>
+              </a:defRPr>
+            </a:lvl1pPr>
+            <a:lvl2pPr marL="685800" indent="-228600" algn="l" defTabSz="914400" rtl="0" eaLnBrk="1" latinLnBrk="0" hangingPunct="1">
+              <a:lnSpc>
+                <a:spcPct val="90000"/>
+              </a:lnSpc>
+              <a:spcBef>
+                <a:spcPts val="500"/>
+              </a:spcBef>
+              <a:buFont typeface="Arial" panose="020B0604020202020204" pitchFamily="34" charset="0"/>
+              <a:buChar char="•"/>
+              <a:defRPr sz="2400" kern="1200">
+                <a:solidFill>
+                  <a:schemeClr val="tx1"/>
+                </a:solidFill>
+                <a:latin typeface="+mn-lt"/>
+                <a:ea typeface="+mn-ea"/>
+                <a:cs typeface="+mn-cs"/>
+              </a:defRPr>
+            </a:lvl2pPr>
+            <a:lvl3pPr marL="1143000" indent="-228600" algn="l" defTabSz="914400" rtl="0" eaLnBrk="1" latinLnBrk="0" hangingPunct="1">
+              <a:lnSpc>
+                <a:spcPct val="90000"/>
+              </a:lnSpc>
+              <a:spcBef>
+                <a:spcPts val="500"/>
+              </a:spcBef>
+              <a:buFont typeface="Arial" panose="020B0604020202020204" pitchFamily="34" charset="0"/>
+              <a:buChar char="•"/>
+              <a:defRPr sz="2000" kern="1200">
+                <a:solidFill>
+                  <a:schemeClr val="tx1"/>
+                </a:solidFill>
+                <a:latin typeface="+mn-lt"/>
+                <a:ea typeface="+mn-ea"/>
+                <a:cs typeface="+mn-cs"/>
+              </a:defRPr>
+            </a:lvl3pPr>
+            <a:lvl4pPr marL="1600200" indent="-228600" algn="l" defTabSz="914400" rtl="0" eaLnBrk="1" latinLnBrk="0" hangingPunct="1">
+              <a:lnSpc>
+                <a:spcPct val="90000"/>
+              </a:lnSpc>
+              <a:spcBef>
+                <a:spcPts val="500"/>
+              </a:spcBef>
+              <a:buFont typeface="Arial" panose="020B0604020202020204" pitchFamily="34" charset="0"/>
+              <a:buChar char="•"/>
+              <a:defRPr sz="1800" kern="1200">
+                <a:solidFill>
+                  <a:schemeClr val="tx1"/>
+                </a:solidFill>
+                <a:latin typeface="+mn-lt"/>
+                <a:ea typeface="+mn-ea"/>
+                <a:cs typeface="+mn-cs"/>
+              </a:defRPr>
+            </a:lvl4pPr>
+            <a:lvl5pPr marL="2057400" indent="-228600" algn="l" defTabSz="914400" rtl="0" eaLnBrk="1" latinLnBrk="0" hangingPunct="1">
+              <a:lnSpc>
+                <a:spcPct val="90000"/>
+              </a:lnSpc>
+              <a:spcBef>
+                <a:spcPts val="500"/>
+              </a:spcBef>
+              <a:buFont typeface="Arial" panose="020B0604020202020204" pitchFamily="34" charset="0"/>
+              <a:buChar char="•"/>
+              <a:defRPr sz="1800" kern="1200">
+                <a:solidFill>
+                  <a:schemeClr val="tx1"/>
+                </a:solidFill>
+                <a:latin typeface="+mn-lt"/>
+                <a:ea typeface="+mn-ea"/>
+                <a:cs typeface="+mn-cs"/>
+              </a:defRPr>
+            </a:lvl5pPr>
+            <a:lvl6pPr marL="2514600" indent="-228600" algn="l" defTabSz="914400" rtl="0" eaLnBrk="1" latinLnBrk="0" hangingPunct="1">
+              <a:lnSpc>
+                <a:spcPct val="90000"/>
+              </a:lnSpc>
+              <a:spcBef>
+                <a:spcPts val="500"/>
+              </a:spcBef>
+              <a:buFont typeface="Arial" panose="020B0604020202020204" pitchFamily="34" charset="0"/>
+              <a:buChar char="•"/>
+              <a:defRPr sz="1800" kern="1200">
+                <a:solidFill>
+                  <a:schemeClr val="tx1"/>
+                </a:solidFill>
+                <a:latin typeface="+mn-lt"/>
+                <a:ea typeface="+mn-ea"/>
+                <a:cs typeface="+mn-cs"/>
+              </a:defRPr>
+            </a:lvl6pPr>
+            <a:lvl7pPr marL="2971800" indent="-228600" algn="l" defTabSz="914400" rtl="0" eaLnBrk="1" latinLnBrk="0" hangingPunct="1">
+              <a:lnSpc>
+                <a:spcPct val="90000"/>
+              </a:lnSpc>
+              <a:spcBef>
+                <a:spcPts val="500"/>
+              </a:spcBef>
+              <a:buFont typeface="Arial" panose="020B0604020202020204" pitchFamily="34" charset="0"/>
+              <a:buChar char="•"/>
+              <a:defRPr sz="1800" kern="1200">
+                <a:solidFill>
+                  <a:schemeClr val="tx1"/>
+                </a:solidFill>
+                <a:latin typeface="+mn-lt"/>
+                <a:ea typeface="+mn-ea"/>
+                <a:cs typeface="+mn-cs"/>
+              </a:defRPr>
+            </a:lvl7pPr>
+            <a:lvl8pPr marL="3429000" indent="-228600" algn="l" defTabSz="914400" rtl="0" eaLnBrk="1" latinLnBrk="0" hangingPunct="1">
+              <a:lnSpc>
+                <a:spcPct val="90000"/>
+              </a:lnSpc>
+              <a:spcBef>
+                <a:spcPts val="500"/>
+              </a:spcBef>
+              <a:buFont typeface="Arial" panose="020B0604020202020204" pitchFamily="34" charset="0"/>
+              <a:buChar char="•"/>
+              <a:defRPr sz="1800" kern="1200">
+                <a:solidFill>
+                  <a:schemeClr val="tx1"/>
+                </a:solidFill>
+                <a:latin typeface="+mn-lt"/>
+                <a:ea typeface="+mn-ea"/>
+                <a:cs typeface="+mn-cs"/>
+              </a:defRPr>
+            </a:lvl8pPr>
+            <a:lvl9pPr marL="3886200" indent="-228600" algn="l" defTabSz="914400" rtl="0" eaLnBrk="1" latinLnBrk="0" hangingPunct="1">
+              <a:lnSpc>
+                <a:spcPct val="90000"/>
+              </a:lnSpc>
+              <a:spcBef>
+                <a:spcPts val="500"/>
+              </a:spcBef>
+              <a:buFont typeface="Arial" panose="020B0604020202020204" pitchFamily="34" charset="0"/>
+              <a:buChar char="•"/>
+              <a:defRPr sz="1800" kern="1200">
+                <a:solidFill>
+                  <a:schemeClr val="tx1"/>
+                </a:solidFill>
+                <a:latin typeface="+mn-lt"/>
+                <a:ea typeface="+mn-ea"/>
+                <a:cs typeface="+mn-cs"/>
+              </a:defRPr>
+            </a:lvl9pPr>
+          </a:lstStyle>
+          <a:p>
+            <a:pPr marL="0" marR="0" lvl="0" indent="0" algn="l" defTabSz="914400" rtl="0" eaLnBrk="1" fontAlgn="auto" latinLnBrk="0" hangingPunct="1">
+              <a:lnSpc>
+                <a:spcPct val="100000"/>
+              </a:lnSpc>
+              <a:spcBef>
+                <a:spcPts val="0"/>
+              </a:spcBef>
+              <a:spcAft>
+                <a:spcPts val="0"/>
+              </a:spcAft>
+              <a:buClrTx/>
+              <a:buSzTx/>
+              <a:buFont typeface="Arial" panose="020B0604020202020204" pitchFamily="34" charset="0"/>
+              <a:buNone/>
+              <a:tabLst/>
+              <a:defRPr/>
+            </a:pPr>
+            <a:r>
+              <a:rPr kumimoji="0" lang="en-GB" sz="2000" b="0" i="1" u="none" strike="noStrike" kern="1200" cap="none" spc="0" normalizeH="0" baseline="0" noProof="0">
+                <a:ln>
+                  <a:noFill/>
+                </a:ln>
+                <a:solidFill>
+                  <a:sysClr val="windowText" lastClr="000000"/>
+                </a:solidFill>
+                <a:effectLst/>
+                <a:uLnTx/>
+                <a:uFillTx/>
+                <a:latin typeface="Calibri" panose="020F0502020204030204"/>
+                <a:ea typeface="+mn-ea"/>
+                <a:cs typeface="+mn-cs"/>
+              </a:rPr>
+              <a:t>Book an office appointment:</a:t>
+            </a:r>
+          </a:p>
+          <a:p>
+            <a:pPr marL="0" marR="0" lvl="0" indent="0" algn="l" defTabSz="914400" rtl="0" eaLnBrk="1" fontAlgn="auto" latinLnBrk="0" hangingPunct="1">
+              <a:lnSpc>
+                <a:spcPct val="100000"/>
+              </a:lnSpc>
+              <a:spcBef>
+                <a:spcPts val="0"/>
+              </a:spcBef>
+              <a:spcAft>
+                <a:spcPts val="0"/>
+              </a:spcAft>
+              <a:buClrTx/>
+              <a:buSzTx/>
+              <a:buFont typeface="Arial" panose="020B0604020202020204" pitchFamily="34" charset="0"/>
+              <a:buNone/>
+              <a:tabLst/>
+              <a:defRPr/>
+            </a:pPr>
+            <a:r>
+              <a:rPr kumimoji="0" lang="en-GB" sz="2000" b="0" i="0" u="none" strike="noStrike" kern="1200" cap="none" spc="0" normalizeH="0" baseline="0" noProof="0">
+                <a:ln>
+                  <a:noFill/>
+                </a:ln>
+                <a:solidFill>
+                  <a:sysClr val="windowText" lastClr="000000"/>
+                </a:solidFill>
+                <a:effectLst/>
+                <a:uLnTx/>
+                <a:uFillTx/>
+                <a:latin typeface="Calibri" panose="020F0502020204030204"/>
+                <a:ea typeface="+mn-ea"/>
+                <a:cs typeface="+mn-cs"/>
+              </a:rPr>
+              <a:t>Usually Tue and Fri 1-2pm</a:t>
+            </a:r>
+          </a:p>
+          <a:p>
+            <a:pPr marL="0" marR="0" lvl="0" indent="0" algn="l" defTabSz="914400" rtl="0" eaLnBrk="1" fontAlgn="auto" latinLnBrk="0" hangingPunct="1">
+              <a:lnSpc>
+                <a:spcPct val="100000"/>
+              </a:lnSpc>
+              <a:spcBef>
+                <a:spcPts val="0"/>
+              </a:spcBef>
+              <a:spcAft>
+                <a:spcPts val="0"/>
+              </a:spcAft>
+              <a:buClrTx/>
+              <a:buSzTx/>
+              <a:buFont typeface="Arial" panose="020B0604020202020204" pitchFamily="34" charset="0"/>
+              <a:buNone/>
+              <a:tabLst/>
+              <a:defRPr/>
+            </a:pPr>
+            <a:r>
+              <a:rPr kumimoji="0" lang="en-GB" sz="1800" b="0" i="0" u="none" strike="noStrike" kern="1200" cap="none" spc="0" normalizeH="0" baseline="0" noProof="0">
+                <a:ln>
+                  <a:noFill/>
+                </a:ln>
+                <a:solidFill>
+                  <a:sysClr val="windowText" lastClr="000000"/>
+                </a:solidFill>
+                <a:effectLst/>
+                <a:uLnTx/>
+                <a:uFillTx/>
+                <a:latin typeface="Calibri" panose="020F0502020204030204"/>
+                <a:ea typeface="+mn-ea"/>
+                <a:cs typeface="+mn-cs"/>
+              </a:rPr>
+              <a:t>Scan QR code or click </a:t>
+            </a:r>
+            <a:r>
+              <a:rPr kumimoji="0" lang="en-GB" sz="1800" b="0" i="0" u="none" strike="noStrike" kern="1200" cap="none" spc="0" normalizeH="0" baseline="0" noProof="0">
+                <a:ln>
+                  <a:noFill/>
+                </a:ln>
+                <a:solidFill>
+                  <a:sysClr val="windowText" lastClr="000000"/>
+                </a:solidFill>
+                <a:effectLst/>
+                <a:uLnTx/>
+                <a:uFillTx/>
+                <a:latin typeface="Calibri" panose="020F0502020204030204"/>
+                <a:ea typeface="+mn-ea"/>
+                <a:cs typeface="+mn-cs"/>
+                <a:hlinkClick r:id="rId4"/>
+              </a:rPr>
+              <a:t>here</a:t>
+            </a:r>
+            <a:endParaRPr kumimoji="0" lang="en-GB" sz="2400" b="0" i="0" u="none" strike="noStrike" kern="1200" cap="none" spc="0" normalizeH="0" baseline="0" noProof="0">
+              <a:ln>
+                <a:noFill/>
+              </a:ln>
+              <a:solidFill>
+                <a:sysClr val="windowText" lastClr="000000"/>
+              </a:solidFill>
+              <a:effectLst/>
+              <a:uLnTx/>
+              <a:uFillTx/>
+              <a:latin typeface="Calibri" panose="020F0502020204030204"/>
+              <a:ea typeface="+mn-ea"/>
+              <a:cs typeface="+mn-cs"/>
+            </a:endParaRPr>
+          </a:p>
+          <a:p>
+            <a:pPr marL="0" marR="0" lvl="0" indent="0" algn="l" defTabSz="914400" rtl="0" eaLnBrk="1" fontAlgn="auto" latinLnBrk="0" hangingPunct="1">
+              <a:lnSpc>
+                <a:spcPct val="100000"/>
+              </a:lnSpc>
+              <a:spcBef>
+                <a:spcPts val="0"/>
+              </a:spcBef>
+              <a:spcAft>
+                <a:spcPts val="0"/>
+              </a:spcAft>
+              <a:buClrTx/>
+              <a:buSzTx/>
+              <a:buFont typeface="Arial" panose="020B0604020202020204" pitchFamily="34" charset="0"/>
+              <a:buNone/>
+              <a:tabLst/>
+              <a:defRPr/>
+            </a:pPr>
+            <a:endParaRPr kumimoji="0" lang="en-GB" sz="2400" b="0" i="0" u="none" strike="noStrike" kern="1200" cap="none" spc="0" normalizeH="0" baseline="0" noProof="0">
+              <a:ln>
+                <a:noFill/>
+              </a:ln>
+              <a:solidFill>
+                <a:sysClr val="windowText" lastClr="000000"/>
+              </a:solidFill>
+              <a:effectLst/>
+              <a:uLnTx/>
+              <a:uFillTx/>
+              <a:latin typeface="Calibri" panose="020F0502020204030204"/>
+              <a:ea typeface="+mn-ea"/>
+              <a:cs typeface="+mn-cs"/>
+            </a:endParaRPr>
+          </a:p>
+          <a:p>
+            <a:pPr marL="0" marR="0" lvl="0" indent="0" algn="l" defTabSz="914400" rtl="0" eaLnBrk="1" fontAlgn="auto" latinLnBrk="0" hangingPunct="1">
+              <a:lnSpc>
+                <a:spcPct val="100000"/>
+              </a:lnSpc>
+              <a:spcBef>
+                <a:spcPts val="0"/>
+              </a:spcBef>
+              <a:spcAft>
+                <a:spcPts val="0"/>
+              </a:spcAft>
+              <a:buClrTx/>
+              <a:buSzTx/>
+              <a:buFont typeface="Arial" panose="020B0604020202020204" pitchFamily="34" charset="0"/>
+              <a:buNone/>
+              <a:tabLst/>
+              <a:defRPr/>
+            </a:pPr>
+            <a:endParaRPr kumimoji="0" lang="en-GB" sz="2400" b="0" i="0" u="none" strike="noStrike" kern="1200" cap="none" spc="0" normalizeH="0" baseline="0" noProof="0">
+              <a:ln>
+                <a:noFill/>
+              </a:ln>
+              <a:solidFill>
+                <a:sysClr val="windowText" lastClr="000000"/>
+              </a:solidFill>
+              <a:effectLst/>
+              <a:uLnTx/>
+              <a:uFillTx/>
+              <a:latin typeface="Calibri" panose="020F0502020204030204"/>
+              <a:ea typeface="+mn-ea"/>
+              <a:cs typeface="+mn-cs"/>
+            </a:endParaRPr>
+          </a:p>
+          <a:p>
+            <a:pPr marL="0" marR="0" lvl="0" indent="0" algn="l" defTabSz="914400" rtl="0" eaLnBrk="1" fontAlgn="auto" latinLnBrk="0" hangingPunct="1">
+              <a:lnSpc>
+                <a:spcPct val="90000"/>
+              </a:lnSpc>
+              <a:spcBef>
+                <a:spcPts val="1000"/>
+              </a:spcBef>
+              <a:spcAft>
+                <a:spcPts val="0"/>
+              </a:spcAft>
+              <a:buClrTx/>
+              <a:buSzTx/>
+              <a:buFont typeface="Arial" panose="020B0604020202020204" pitchFamily="34" charset="0"/>
+              <a:buNone/>
+              <a:tabLst/>
+              <a:defRPr/>
+            </a:pPr>
+            <a:endParaRPr kumimoji="0" lang="en-GB" sz="2400" b="0" i="0" u="none" strike="noStrike" kern="1200" cap="none" spc="0" normalizeH="0" baseline="0" noProof="0" dirty="0">
+              <a:ln>
+                <a:noFill/>
+              </a:ln>
+              <a:solidFill>
+                <a:sysClr val="windowText" lastClr="000000"/>
+              </a:solidFill>
+              <a:effectLst/>
+              <a:uLnTx/>
+              <a:uFillTx/>
+              <a:latin typeface="Calibri" panose="020F0502020204030204"/>
+              <a:ea typeface="+mn-ea"/>
+              <a:cs typeface="+mn-cs"/>
+            </a:endParaRPr>
+          </a:p>
+        </p:txBody>
+      </p:sp>
+      <p:sp>
+        <p:nvSpPr>
+          <p:cNvPr id="6" name="Rectangle 5">
+            <a:extLst>
+              <a:ext uri="{FF2B5EF4-FFF2-40B4-BE49-F238E27FC236}">
+                <a16:creationId xmlns:a16="http://schemas.microsoft.com/office/drawing/2014/main" id="{6169A7EA-5EEA-5FFE-AB04-ED92B23126A6}"/>
+              </a:ext>
+            </a:extLst>
+          </p:cNvPr>
+          <p:cNvSpPr/>
+          <p:nvPr/>
+        </p:nvSpPr>
+        <p:spPr>
+          <a:xfrm>
+            <a:off x="9526843" y="5267002"/>
+            <a:ext cx="2388254" cy="914400"/>
+          </a:xfrm>
+          <a:prstGeom prst="rect">
+            <a:avLst/>
+          </a:prstGeom>
+          <a:noFill/>
+          <a:ln w="12700" cap="flat" cmpd="sng" algn="ctr">
+            <a:noFill/>
+            <a:prstDash val="solid"/>
+            <a:miter lim="800000"/>
+          </a:ln>
+          <a:effectLst/>
+        </p:spPr>
+        <p:txBody>
+          <a:bodyPr rot="0" spcFirstLastPara="0" vert="horz" wrap="square" lIns="91440" tIns="45720" rIns="91440" bIns="45720" numCol="1" spcCol="0" rtlCol="0" fromWordArt="0" anchor="ctr" anchorCtr="0" forceAA="0" compatLnSpc="1">
+            <a:prstTxWarp prst="textNoShape">
+              <a:avLst/>
+            </a:prstTxWarp>
+            <a:noAutofit/>
+          </a:bodyPr>
+          <a:lstStyle>
+            <a:defPPr>
+              <a:defRPr lang="en-US"/>
+            </a:defPPr>
+            <a:lvl1pPr algn="l" rtl="0" fontAlgn="base">
+              <a:spcBef>
+                <a:spcPct val="0"/>
+              </a:spcBef>
+              <a:spcAft>
+                <a:spcPct val="0"/>
+              </a:spcAft>
+              <a:defRPr kern="1200">
+                <a:solidFill>
+                  <a:schemeClr val="lt1"/>
+                </a:solidFill>
+                <a:latin typeface="+mn-lt"/>
+                <a:ea typeface="+mn-ea"/>
+                <a:cs typeface="+mn-cs"/>
+              </a:defRPr>
+            </a:lvl1pPr>
+            <a:lvl2pPr marL="457200" algn="l" rtl="0" fontAlgn="base">
+              <a:spcBef>
+                <a:spcPct val="0"/>
+              </a:spcBef>
+              <a:spcAft>
+                <a:spcPct val="0"/>
+              </a:spcAft>
+              <a:defRPr kern="1200">
+                <a:solidFill>
+                  <a:schemeClr val="lt1"/>
+                </a:solidFill>
+                <a:latin typeface="+mn-lt"/>
+                <a:ea typeface="+mn-ea"/>
+                <a:cs typeface="+mn-cs"/>
+              </a:defRPr>
+            </a:lvl2pPr>
+            <a:lvl3pPr marL="914400" algn="l" rtl="0" fontAlgn="base">
+              <a:spcBef>
+                <a:spcPct val="0"/>
+              </a:spcBef>
+              <a:spcAft>
+                <a:spcPct val="0"/>
+              </a:spcAft>
+              <a:defRPr kern="1200">
+                <a:solidFill>
+                  <a:schemeClr val="lt1"/>
+                </a:solidFill>
+                <a:latin typeface="+mn-lt"/>
+                <a:ea typeface="+mn-ea"/>
+                <a:cs typeface="+mn-cs"/>
+              </a:defRPr>
+            </a:lvl3pPr>
+            <a:lvl4pPr marL="1371600" algn="l" rtl="0" fontAlgn="base">
+              <a:spcBef>
+                <a:spcPct val="0"/>
+              </a:spcBef>
+              <a:spcAft>
+                <a:spcPct val="0"/>
+              </a:spcAft>
+              <a:defRPr kern="1200">
+                <a:solidFill>
+                  <a:schemeClr val="lt1"/>
+                </a:solidFill>
+                <a:latin typeface="+mn-lt"/>
+                <a:ea typeface="+mn-ea"/>
+                <a:cs typeface="+mn-cs"/>
+              </a:defRPr>
+            </a:lvl4pPr>
+            <a:lvl5pPr marL="1828800" algn="l" rtl="0" fontAlgn="base">
+              <a:spcBef>
+                <a:spcPct val="0"/>
+              </a:spcBef>
+              <a:spcAft>
+                <a:spcPct val="0"/>
+              </a:spcAft>
+              <a:defRPr kern="1200">
+                <a:solidFill>
+                  <a:schemeClr val="lt1"/>
+                </a:solidFill>
+                <a:latin typeface="+mn-lt"/>
+                <a:ea typeface="+mn-ea"/>
+                <a:cs typeface="+mn-cs"/>
+              </a:defRPr>
+            </a:lvl5pPr>
+            <a:lvl6pPr marL="2286000" algn="l" defTabSz="914400" rtl="0" eaLnBrk="1" latinLnBrk="0" hangingPunct="1">
+              <a:defRPr kern="1200">
+                <a:solidFill>
+                  <a:schemeClr val="lt1"/>
+                </a:solidFill>
+                <a:latin typeface="+mn-lt"/>
+                <a:ea typeface="+mn-ea"/>
+                <a:cs typeface="+mn-cs"/>
+              </a:defRPr>
+            </a:lvl6pPr>
+            <a:lvl7pPr marL="2743200" algn="l" defTabSz="914400" rtl="0" eaLnBrk="1" latinLnBrk="0" hangingPunct="1">
+              <a:defRPr kern="1200">
+                <a:solidFill>
+                  <a:schemeClr val="lt1"/>
+                </a:solidFill>
+                <a:latin typeface="+mn-lt"/>
+                <a:ea typeface="+mn-ea"/>
+                <a:cs typeface="+mn-cs"/>
+              </a:defRPr>
+            </a:lvl7pPr>
+            <a:lvl8pPr marL="3200400" algn="l" defTabSz="914400" rtl="0" eaLnBrk="1" latinLnBrk="0" hangingPunct="1">
+              <a:defRPr kern="1200">
+                <a:solidFill>
+                  <a:schemeClr val="lt1"/>
+                </a:solidFill>
+                <a:latin typeface="+mn-lt"/>
+                <a:ea typeface="+mn-ea"/>
+                <a:cs typeface="+mn-cs"/>
+              </a:defRPr>
+            </a:lvl8pPr>
+            <a:lvl9pPr marL="3657600" algn="l" defTabSz="914400" rtl="0" eaLnBrk="1" latinLnBrk="0" hangingPunct="1">
+              <a:defRPr kern="1200">
+                <a:solidFill>
+                  <a:schemeClr val="lt1"/>
+                </a:solidFill>
+                <a:latin typeface="+mn-lt"/>
+                <a:ea typeface="+mn-ea"/>
+                <a:cs typeface="+mn-cs"/>
+              </a:defRPr>
+            </a:lvl9pPr>
+          </a:lstStyle>
+          <a:p>
+            <a:pPr marL="0" marR="0" lvl="0" indent="0" algn="l" defTabSz="914400" rtl="0" eaLnBrk="1" fontAlgn="base" latinLnBrk="0" hangingPunct="1">
+              <a:lnSpc>
+                <a:spcPct val="100000"/>
+              </a:lnSpc>
+              <a:spcBef>
+                <a:spcPct val="0"/>
+              </a:spcBef>
+              <a:spcAft>
+                <a:spcPct val="0"/>
+              </a:spcAft>
+              <a:buClrTx/>
+              <a:buSzTx/>
+              <a:buFontTx/>
+              <a:buNone/>
+              <a:tabLst/>
+              <a:defRPr/>
+            </a:pPr>
+            <a:r>
+              <a:rPr kumimoji="0" lang="en-GB" sz="2400" b="1" i="0" u="none" strike="noStrike" kern="1200" cap="none" spc="0" normalizeH="0" baseline="0" noProof="0" dirty="0">
+                <a:ln>
+                  <a:noFill/>
+                </a:ln>
+                <a:solidFill>
+                  <a:prstClr val="black"/>
+                </a:solidFill>
+                <a:effectLst/>
+                <a:uLnTx/>
+                <a:uFillTx/>
+                <a:latin typeface="Arial" panose="020B0604020202020204" pitchFamily="34" charset="0"/>
+                <a:ea typeface="+mn-ea"/>
+                <a:cs typeface="Arial" panose="020B0604020202020204" pitchFamily="34" charset="0"/>
+              </a:rPr>
+              <a:t>Check in code</a:t>
+            </a:r>
+          </a:p>
+          <a:p>
+            <a:pPr marL="0" marR="0" lvl="0" indent="0" algn="l" defTabSz="914400" rtl="0" eaLnBrk="1" fontAlgn="base" latinLnBrk="0" hangingPunct="1">
+              <a:lnSpc>
+                <a:spcPct val="100000"/>
+              </a:lnSpc>
+              <a:spcBef>
+                <a:spcPct val="0"/>
+              </a:spcBef>
+              <a:spcAft>
+                <a:spcPct val="0"/>
+              </a:spcAft>
+              <a:buClrTx/>
+              <a:buSzTx/>
+              <a:buFontTx/>
+              <a:buNone/>
+              <a:tabLst/>
+              <a:defRPr/>
+            </a:pPr>
+            <a:r>
+              <a:rPr kumimoji="0" lang="en-GB" sz="2400" b="1" i="0" u="none" strike="noStrike" kern="1200" cap="none" spc="0" normalizeH="0" baseline="0" noProof="0" dirty="0">
+                <a:ln>
+                  <a:noFill/>
+                </a:ln>
+                <a:solidFill>
+                  <a:srgbClr val="FF0000"/>
+                </a:solidFill>
+                <a:effectLst/>
+                <a:uLnTx/>
+                <a:uFillTx/>
+                <a:latin typeface="Arial" panose="020B0604020202020204" pitchFamily="34" charset="0"/>
+                <a:ea typeface="+mn-ea"/>
+                <a:cs typeface="Arial" panose="020B0604020202020204" pitchFamily="34" charset="0"/>
+              </a:rPr>
+              <a:t>**-**-**</a:t>
+            </a:r>
+            <a:endParaRPr kumimoji="0" lang="en-GB" sz="2400" b="1" i="0" u="none" strike="noStrike" kern="1200" cap="none" spc="0" normalizeH="0" baseline="0" noProof="0" dirty="0">
+              <a:ln>
+                <a:noFill/>
+              </a:ln>
+              <a:solidFill>
+                <a:prstClr val="black"/>
+              </a:solidFill>
+              <a:effectLst/>
+              <a:uLnTx/>
+              <a:uFillTx/>
+              <a:latin typeface="Arial" panose="020B0604020202020204" pitchFamily="34" charset="0"/>
+              <a:ea typeface="+mn-ea"/>
+              <a:cs typeface="Arial" panose="020B0604020202020204" pitchFamily="34" charset="0"/>
+            </a:endParaRPr>
+          </a:p>
+        </p:txBody>
+      </p:sp>
+      <p:pic>
+        <p:nvPicPr>
+          <p:cNvPr id="7" name="Picture 6">
+            <a:extLst>
+              <a:ext uri="{FF2B5EF4-FFF2-40B4-BE49-F238E27FC236}">
+                <a16:creationId xmlns:a16="http://schemas.microsoft.com/office/drawing/2014/main" id="{A5216111-9A09-32E6-EB0D-1FC6C8D13C0B}"/>
+              </a:ext>
+            </a:extLst>
+          </p:cNvPr>
+          <p:cNvPicPr>
+            <a:picLocks noChangeAspect="1"/>
+          </p:cNvPicPr>
+          <p:nvPr/>
+        </p:nvPicPr>
+        <p:blipFill>
+          <a:blip r:embed="rId5">
+            <a:extLst>
+              <a:ext uri="{28A0092B-C50C-407E-A947-70E740481C1C}">
+                <a14:useLocalDpi xmlns:a14="http://schemas.microsoft.com/office/drawing/2010/main" val="0"/>
+              </a:ext>
+            </a:extLst>
+          </a:blip>
+          <a:srcRect/>
+          <a:stretch/>
+        </p:blipFill>
+        <p:spPr>
+          <a:xfrm>
+            <a:off x="6343650" y="5097651"/>
+            <a:ext cx="1587722" cy="1587722"/>
+          </a:xfrm>
+          <a:prstGeom prst="rect">
+            <a:avLst/>
+          </a:prstGeom>
+        </p:spPr>
+      </p:pic>
+      <p:pic>
+        <p:nvPicPr>
+          <p:cNvPr id="8" name="Picture 7">
+            <a:extLst>
+              <a:ext uri="{FF2B5EF4-FFF2-40B4-BE49-F238E27FC236}">
+                <a16:creationId xmlns:a16="http://schemas.microsoft.com/office/drawing/2014/main" id="{2E365534-4B29-5208-D97F-8191031E3864}"/>
+              </a:ext>
+            </a:extLst>
+          </p:cNvPr>
+          <p:cNvPicPr>
+            <a:picLocks noChangeAspect="1"/>
+          </p:cNvPicPr>
+          <p:nvPr/>
+        </p:nvPicPr>
+        <p:blipFill rotWithShape="1">
+          <a:blip r:embed="rId6">
+            <a:extLst>
+              <a:ext uri="{28A0092B-C50C-407E-A947-70E740481C1C}">
+                <a14:useLocalDpi xmlns:a14="http://schemas.microsoft.com/office/drawing/2010/main" val="0"/>
+              </a:ext>
+            </a:extLst>
+          </a:blip>
+          <a:srcRect l="6300" t="15443" r="6024" b="14050"/>
+          <a:stretch/>
+        </p:blipFill>
+        <p:spPr bwMode="auto">
+          <a:xfrm>
+            <a:off x="8801100" y="320156"/>
+            <a:ext cx="3140698" cy="948012"/>
+          </a:xfrm>
+          <a:prstGeom prst="rect">
+            <a:avLst/>
+          </a:prstGeom>
+          <a:ln>
+            <a:noFill/>
+          </a:ln>
+          <a:extLst>
+            <a:ext uri="{53640926-AAD7-44D8-BBD7-CCE9431645EC}">
+              <a14:shadowObscured xmlns:a14="http://schemas.microsoft.com/office/drawing/2010/main"/>
+            </a:ext>
+          </a:extLst>
+        </p:spPr>
+      </p:pic>
     </p:spTree>
     <p:extLst>
       <p:ext uri="{BB962C8B-B14F-4D97-AF65-F5344CB8AC3E}">

--- a/docs/slides/PSYC761_L7_PrePostData.pptx
+++ b/docs/slides/PSYC761_L7_PrePostData.pptx
@@ -162,7 +162,7 @@
 <file path=ppt/revisionInfo.xml><?xml version="1.0" encoding="utf-8"?>
 <p1510:revInfo xmlns:a="http://schemas.openxmlformats.org/drawingml/2006/main" xmlns:r="http://schemas.openxmlformats.org/officeDocument/2006/relationships" xmlns:p1510="http://schemas.microsoft.com/office/powerpoint/2015/10/main">
   <p1510:revLst>
-    <p1510:client id="{73AA60B9-D679-4675-BE48-2F33FDE99F43}" v="1" dt="2024-01-15T16:11:38.680"/>
+    <p1510:client id="{92E87948-0903-4FFF-8274-2781A94C59A6}" v="4" dt="2024-03-11T12:00:32.336"/>
   </p1510:revLst>
 </p1510:revInfo>
 </file>
@@ -170,48 +170,155 @@
 <file path=ppt/changesInfos/changesInfo1.xml><?xml version="1.0" encoding="utf-8"?>
 <pc:chgInfo xmlns:a="http://schemas.openxmlformats.org/drawingml/2006/main" xmlns:r="http://schemas.openxmlformats.org/officeDocument/2006/relationships" xmlns:ac="http://schemas.microsoft.com/office/drawing/2013/main/command" xmlns:pc="http://schemas.microsoft.com/office/powerpoint/2013/main/command">
   <pc:docChgLst>
-    <pc:chgData name="Christopher Berry" userId="468ae48a-5539-4b21-98ea-6081f4d86140" providerId="ADAL" clId="{73AA60B9-D679-4675-BE48-2F33FDE99F43}"/>
+    <pc:chgData name="Christopher Berry" userId="468ae48a-5539-4b21-98ea-6081f4d86140" providerId="ADAL" clId="{92E87948-0903-4FFF-8274-2781A94C59A6}"/>
+    <pc:docChg chg="custSel modSld">
+      <pc:chgData name="Christopher Berry" userId="468ae48a-5539-4b21-98ea-6081f4d86140" providerId="ADAL" clId="{92E87948-0903-4FFF-8274-2781A94C59A6}" dt="2024-03-11T12:01:43.866" v="519" actId="20577"/>
+      <pc:docMkLst>
+        <pc:docMk/>
+      </pc:docMkLst>
+      <pc:sldChg chg="modNotesTx">
+        <pc:chgData name="Christopher Berry" userId="468ae48a-5539-4b21-98ea-6081f4d86140" providerId="ADAL" clId="{92E87948-0903-4FFF-8274-2781A94C59A6}" dt="2024-03-11T10:37:06.530" v="0" actId="20577"/>
+        <pc:sldMkLst>
+          <pc:docMk/>
+          <pc:sldMk cId="1337738250" sldId="257"/>
+        </pc:sldMkLst>
+      </pc:sldChg>
+      <pc:sldChg chg="modNotesTx">
+        <pc:chgData name="Christopher Berry" userId="468ae48a-5539-4b21-98ea-6081f4d86140" providerId="ADAL" clId="{92E87948-0903-4FFF-8274-2781A94C59A6}" dt="2024-03-11T10:53:46.357" v="278" actId="12"/>
+        <pc:sldMkLst>
+          <pc:docMk/>
+          <pc:sldMk cId="898351589" sldId="351"/>
+        </pc:sldMkLst>
+      </pc:sldChg>
+      <pc:sldChg chg="modNotesTx">
+        <pc:chgData name="Christopher Berry" userId="468ae48a-5539-4b21-98ea-6081f4d86140" providerId="ADAL" clId="{92E87948-0903-4FFF-8274-2781A94C59A6}" dt="2024-03-11T10:52:47.248" v="269" actId="33524"/>
+        <pc:sldMkLst>
+          <pc:docMk/>
+          <pc:sldMk cId="427809079" sldId="352"/>
+        </pc:sldMkLst>
+      </pc:sldChg>
+      <pc:sldChg chg="modNotesTx">
+        <pc:chgData name="Christopher Berry" userId="468ae48a-5539-4b21-98ea-6081f4d86140" providerId="ADAL" clId="{92E87948-0903-4FFF-8274-2781A94C59A6}" dt="2024-03-11T10:57:30.409" v="342" actId="20577"/>
+        <pc:sldMkLst>
+          <pc:docMk/>
+          <pc:sldMk cId="2467422278" sldId="355"/>
+        </pc:sldMkLst>
+      </pc:sldChg>
+      <pc:sldChg chg="modAnim modNotesTx">
+        <pc:chgData name="Christopher Berry" userId="468ae48a-5539-4b21-98ea-6081f4d86140" providerId="ADAL" clId="{92E87948-0903-4FFF-8274-2781A94C59A6}" dt="2024-03-11T12:00:32.336" v="518"/>
+        <pc:sldMkLst>
+          <pc:docMk/>
+          <pc:sldMk cId="1169166015" sldId="356"/>
+        </pc:sldMkLst>
+      </pc:sldChg>
+      <pc:sldChg chg="modNotesTx">
+        <pc:chgData name="Christopher Berry" userId="468ae48a-5539-4b21-98ea-6081f4d86140" providerId="ADAL" clId="{92E87948-0903-4FFF-8274-2781A94C59A6}" dt="2024-03-11T12:01:43.866" v="519" actId="20577"/>
+        <pc:sldMkLst>
+          <pc:docMk/>
+          <pc:sldMk cId="909518638" sldId="357"/>
+        </pc:sldMkLst>
+      </pc:sldChg>
+      <pc:sldChg chg="modNotesTx">
+        <pc:chgData name="Christopher Berry" userId="468ae48a-5539-4b21-98ea-6081f4d86140" providerId="ADAL" clId="{92E87948-0903-4FFF-8274-2781A94C59A6}" dt="2024-03-11T10:40:45.100" v="17" actId="20577"/>
+        <pc:sldMkLst>
+          <pc:docMk/>
+          <pc:sldMk cId="526375412" sldId="358"/>
+        </pc:sldMkLst>
+      </pc:sldChg>
+      <pc:sldChg chg="modNotesTx">
+        <pc:chgData name="Christopher Berry" userId="468ae48a-5539-4b21-98ea-6081f4d86140" providerId="ADAL" clId="{92E87948-0903-4FFF-8274-2781A94C59A6}" dt="2024-03-11T10:43:39.040" v="64" actId="20577"/>
+        <pc:sldMkLst>
+          <pc:docMk/>
+          <pc:sldMk cId="1039672698" sldId="359"/>
+        </pc:sldMkLst>
+      </pc:sldChg>
+      <pc:sldChg chg="modNotesTx">
+        <pc:chgData name="Christopher Berry" userId="468ae48a-5539-4b21-98ea-6081f4d86140" providerId="ADAL" clId="{92E87948-0903-4FFF-8274-2781A94C59A6}" dt="2024-03-11T10:45:23.085" v="66" actId="313"/>
+        <pc:sldMkLst>
+          <pc:docMk/>
+          <pc:sldMk cId="2442537065" sldId="360"/>
+        </pc:sldMkLst>
+      </pc:sldChg>
+      <pc:sldChg chg="modNotesTx">
+        <pc:chgData name="Christopher Berry" userId="468ae48a-5539-4b21-98ea-6081f4d86140" providerId="ADAL" clId="{92E87948-0903-4FFF-8274-2781A94C59A6}" dt="2024-03-11T10:41:04.306" v="31" actId="20577"/>
+        <pc:sldMkLst>
+          <pc:docMk/>
+          <pc:sldMk cId="3482227358" sldId="362"/>
+        </pc:sldMkLst>
+      </pc:sldChg>
+      <pc:sldChg chg="modNotesTx">
+        <pc:chgData name="Christopher Berry" userId="468ae48a-5539-4b21-98ea-6081f4d86140" providerId="ADAL" clId="{92E87948-0903-4FFF-8274-2781A94C59A6}" dt="2024-03-11T10:48:53.367" v="225" actId="313"/>
+        <pc:sldMkLst>
+          <pc:docMk/>
+          <pc:sldMk cId="3657777566" sldId="367"/>
+        </pc:sldMkLst>
+      </pc:sldChg>
+      <pc:sldChg chg="modNotesTx">
+        <pc:chgData name="Christopher Berry" userId="468ae48a-5539-4b21-98ea-6081f4d86140" providerId="ADAL" clId="{92E87948-0903-4FFF-8274-2781A94C59A6}" dt="2024-03-11T10:49:30.473" v="242" actId="20577"/>
+        <pc:sldMkLst>
+          <pc:docMk/>
+          <pc:sldMk cId="42077738" sldId="368"/>
+        </pc:sldMkLst>
+      </pc:sldChg>
+      <pc:sldChg chg="modNotesTx">
+        <pc:chgData name="Christopher Berry" userId="468ae48a-5539-4b21-98ea-6081f4d86140" providerId="ADAL" clId="{92E87948-0903-4FFF-8274-2781A94C59A6}" dt="2024-03-11T10:50:17.985" v="268" actId="20577"/>
+        <pc:sldMkLst>
+          <pc:docMk/>
+          <pc:sldMk cId="1181104512" sldId="369"/>
+        </pc:sldMkLst>
+      </pc:sldChg>
+      <pc:sldChg chg="modAnim modNotesTx">
+        <pc:chgData name="Christopher Berry" userId="468ae48a-5539-4b21-98ea-6081f4d86140" providerId="ADAL" clId="{92E87948-0903-4FFF-8274-2781A94C59A6}" dt="2024-03-11T12:00:07.052" v="517"/>
+        <pc:sldMkLst>
+          <pc:docMk/>
+          <pc:sldMk cId="4007906762" sldId="370"/>
+        </pc:sldMkLst>
+      </pc:sldChg>
+    </pc:docChg>
+  </pc:docChgLst>
+  <pc:docChgLst>
+    <pc:chgData name="Christopher Berry" userId="468ae48a-5539-4b21-98ea-6081f4d86140" providerId="ADAL" clId="{3632FEA9-16FD-4A0B-B0C9-3A6A3492B9F6}"/>
     <pc:docChg chg="modSld">
-      <pc:chgData name="Christopher Berry" userId="468ae48a-5539-4b21-98ea-6081f4d86140" providerId="ADAL" clId="{73AA60B9-D679-4675-BE48-2F33FDE99F43}" dt="2024-01-15T16:11:38.680" v="0"/>
+      <pc:chgData name="Christopher Berry" userId="468ae48a-5539-4b21-98ea-6081f4d86140" providerId="ADAL" clId="{3632FEA9-16FD-4A0B-B0C9-3A6A3492B9F6}" dt="2024-01-15T16:11:46.080" v="0"/>
       <pc:docMkLst>
         <pc:docMk/>
       </pc:docMkLst>
       <pc:sldChg chg="addSp modSp">
-        <pc:chgData name="Christopher Berry" userId="468ae48a-5539-4b21-98ea-6081f4d86140" providerId="ADAL" clId="{73AA60B9-D679-4675-BE48-2F33FDE99F43}" dt="2024-01-15T16:11:38.680" v="0"/>
+        <pc:chgData name="Christopher Berry" userId="468ae48a-5539-4b21-98ea-6081f4d86140" providerId="ADAL" clId="{3632FEA9-16FD-4A0B-B0C9-3A6A3492B9F6}" dt="2024-01-15T16:11:46.080" v="0"/>
         <pc:sldMkLst>
           <pc:docMk/>
           <pc:sldMk cId="1337738250" sldId="257"/>
         </pc:sldMkLst>
         <pc:spChg chg="add mod">
-          <ac:chgData name="Christopher Berry" userId="468ae48a-5539-4b21-98ea-6081f4d86140" providerId="ADAL" clId="{73AA60B9-D679-4675-BE48-2F33FDE99F43}" dt="2024-01-15T16:11:38.680" v="0"/>
+          <ac:chgData name="Christopher Berry" userId="468ae48a-5539-4b21-98ea-6081f4d86140" providerId="ADAL" clId="{3632FEA9-16FD-4A0B-B0C9-3A6A3492B9F6}" dt="2024-01-15T16:11:46.080" v="0"/>
           <ac:spMkLst>
             <pc:docMk/>
             <pc:sldMk cId="1337738250" sldId="257"/>
-            <ac:spMk id="5" creationId="{BE70E46E-3ABD-C511-98DE-B0032C27F111}"/>
+            <ac:spMk id="5" creationId="{2C779BCD-5162-0F53-3DA1-E04B1867444D}"/>
           </ac:spMkLst>
         </pc:spChg>
         <pc:spChg chg="add mod">
-          <ac:chgData name="Christopher Berry" userId="468ae48a-5539-4b21-98ea-6081f4d86140" providerId="ADAL" clId="{73AA60B9-D679-4675-BE48-2F33FDE99F43}" dt="2024-01-15T16:11:38.680" v="0"/>
+          <ac:chgData name="Christopher Berry" userId="468ae48a-5539-4b21-98ea-6081f4d86140" providerId="ADAL" clId="{3632FEA9-16FD-4A0B-B0C9-3A6A3492B9F6}" dt="2024-01-15T16:11:46.080" v="0"/>
           <ac:spMkLst>
             <pc:docMk/>
             <pc:sldMk cId="1337738250" sldId="257"/>
-            <ac:spMk id="6" creationId="{6169A7EA-5EEA-5FFE-AB04-ED92B23126A6}"/>
+            <ac:spMk id="6" creationId="{0AD84710-9FD3-DE89-F1B0-E03CA2D03B4D}"/>
           </ac:spMkLst>
         </pc:spChg>
         <pc:picChg chg="add mod">
-          <ac:chgData name="Christopher Berry" userId="468ae48a-5539-4b21-98ea-6081f4d86140" providerId="ADAL" clId="{73AA60B9-D679-4675-BE48-2F33FDE99F43}" dt="2024-01-15T16:11:38.680" v="0"/>
+          <ac:chgData name="Christopher Berry" userId="468ae48a-5539-4b21-98ea-6081f4d86140" providerId="ADAL" clId="{3632FEA9-16FD-4A0B-B0C9-3A6A3492B9F6}" dt="2024-01-15T16:11:46.080" v="0"/>
           <ac:picMkLst>
             <pc:docMk/>
             <pc:sldMk cId="1337738250" sldId="257"/>
-            <ac:picMk id="7" creationId="{A5216111-9A09-32E6-EB0D-1FC6C8D13C0B}"/>
+            <ac:picMk id="7" creationId="{7EB58743-A286-D058-BC10-14EC2E36C373}"/>
           </ac:picMkLst>
         </pc:picChg>
         <pc:picChg chg="add mod">
-          <ac:chgData name="Christopher Berry" userId="468ae48a-5539-4b21-98ea-6081f4d86140" providerId="ADAL" clId="{73AA60B9-D679-4675-BE48-2F33FDE99F43}" dt="2024-01-15T16:11:38.680" v="0"/>
+          <ac:chgData name="Christopher Berry" userId="468ae48a-5539-4b21-98ea-6081f4d86140" providerId="ADAL" clId="{3632FEA9-16FD-4A0B-B0C9-3A6A3492B9F6}" dt="2024-01-15T16:11:46.080" v="0"/>
           <ac:picMkLst>
             <pc:docMk/>
             <pc:sldMk cId="1337738250" sldId="257"/>
-            <ac:picMk id="8" creationId="{2E365534-4B29-5208-D97F-8191031E3864}"/>
+            <ac:picMk id="8" creationId="{72F31875-A051-58EB-2DEC-5A3534567934}"/>
           </ac:picMkLst>
         </pc:picChg>
       </pc:sldChg>
@@ -394,126 +501,126 @@
     </pc:docChg>
   </pc:docChgLst>
   <pc:docChgLst>
-    <pc:chgData name="Christopher Berry" userId="468ae48a-5539-4b21-98ea-6081f4d86140" providerId="ADAL" clId="{0FE1E450-E441-42BE-9CA8-03F5DD11C3FF}"/>
+    <pc:chgData name="Christopher Berry" userId="468ae48a-5539-4b21-98ea-6081f4d86140" providerId="ADAL" clId="{077597A2-3206-42B8-8EF5-2FC160E1827F}"/>
     <pc:docChg chg="custSel modSld">
-      <pc:chgData name="Christopher Berry" userId="468ae48a-5539-4b21-98ea-6081f4d86140" providerId="ADAL" clId="{0FE1E450-E441-42BE-9CA8-03F5DD11C3FF}" dt="2023-12-01T16:15:03.369" v="33" actId="368"/>
+      <pc:chgData name="Christopher Berry" userId="468ae48a-5539-4b21-98ea-6081f4d86140" providerId="ADAL" clId="{077597A2-3206-42B8-8EF5-2FC160E1827F}" dt="2024-03-11T12:03:00.331" v="33" actId="368"/>
       <pc:docMkLst>
         <pc:docMk/>
       </pc:docMkLst>
       <pc:sldChg chg="modNotes">
-        <pc:chgData name="Christopher Berry" userId="468ae48a-5539-4b21-98ea-6081f4d86140" providerId="ADAL" clId="{0FE1E450-E441-42BE-9CA8-03F5DD11C3FF}" dt="2023-12-01T16:15:03.320" v="1" actId="368"/>
+        <pc:chgData name="Christopher Berry" userId="468ae48a-5539-4b21-98ea-6081f4d86140" providerId="ADAL" clId="{077597A2-3206-42B8-8EF5-2FC160E1827F}" dt="2024-03-11T12:03:00.252" v="1" actId="368"/>
         <pc:sldMkLst>
           <pc:docMk/>
           <pc:sldMk cId="1337738250" sldId="257"/>
         </pc:sldMkLst>
       </pc:sldChg>
       <pc:sldChg chg="modNotes">
-        <pc:chgData name="Christopher Berry" userId="468ae48a-5539-4b21-98ea-6081f4d86140" providerId="ADAL" clId="{0FE1E450-E441-42BE-9CA8-03F5DD11C3FF}" dt="2023-12-01T16:15:03.357" v="25" actId="368"/>
+        <pc:chgData name="Christopher Berry" userId="468ae48a-5539-4b21-98ea-6081f4d86140" providerId="ADAL" clId="{077597A2-3206-42B8-8EF5-2FC160E1827F}" dt="2024-03-11T12:03:00.309" v="25" actId="368"/>
         <pc:sldMkLst>
           <pc:docMk/>
           <pc:sldMk cId="898351589" sldId="351"/>
         </pc:sldMkLst>
       </pc:sldChg>
       <pc:sldChg chg="modNotes">
-        <pc:chgData name="Christopher Berry" userId="468ae48a-5539-4b21-98ea-6081f4d86140" providerId="ADAL" clId="{0FE1E450-E441-42BE-9CA8-03F5DD11C3FF}" dt="2023-12-01T16:15:03.354" v="23" actId="368"/>
+        <pc:chgData name="Christopher Berry" userId="468ae48a-5539-4b21-98ea-6081f4d86140" providerId="ADAL" clId="{077597A2-3206-42B8-8EF5-2FC160E1827F}" dt="2024-03-11T12:03:00.304" v="23" actId="368"/>
         <pc:sldMkLst>
           <pc:docMk/>
           <pc:sldMk cId="427809079" sldId="352"/>
         </pc:sldMkLst>
       </pc:sldChg>
       <pc:sldChg chg="modNotes">
-        <pc:chgData name="Christopher Berry" userId="468ae48a-5539-4b21-98ea-6081f4d86140" providerId="ADAL" clId="{0FE1E450-E441-42BE-9CA8-03F5DD11C3FF}" dt="2023-12-01T16:15:03.359" v="27" actId="368"/>
+        <pc:chgData name="Christopher Berry" userId="468ae48a-5539-4b21-98ea-6081f4d86140" providerId="ADAL" clId="{077597A2-3206-42B8-8EF5-2FC160E1827F}" dt="2024-03-11T12:03:00.315" v="27" actId="368"/>
         <pc:sldMkLst>
           <pc:docMk/>
           <pc:sldMk cId="2467422278" sldId="355"/>
         </pc:sldMkLst>
       </pc:sldChg>
       <pc:sldChg chg="modNotes">
-        <pc:chgData name="Christopher Berry" userId="468ae48a-5539-4b21-98ea-6081f4d86140" providerId="ADAL" clId="{0FE1E450-E441-42BE-9CA8-03F5DD11C3FF}" dt="2023-12-01T16:15:03.366" v="31" actId="368"/>
+        <pc:chgData name="Christopher Berry" userId="468ae48a-5539-4b21-98ea-6081f4d86140" providerId="ADAL" clId="{077597A2-3206-42B8-8EF5-2FC160E1827F}" dt="2024-03-11T12:03:00.326" v="31" actId="368"/>
         <pc:sldMkLst>
           <pc:docMk/>
           <pc:sldMk cId="1169166015" sldId="356"/>
         </pc:sldMkLst>
       </pc:sldChg>
       <pc:sldChg chg="modNotes">
-        <pc:chgData name="Christopher Berry" userId="468ae48a-5539-4b21-98ea-6081f4d86140" providerId="ADAL" clId="{0FE1E450-E441-42BE-9CA8-03F5DD11C3FF}" dt="2023-12-01T16:15:03.369" v="33" actId="368"/>
+        <pc:chgData name="Christopher Berry" userId="468ae48a-5539-4b21-98ea-6081f4d86140" providerId="ADAL" clId="{077597A2-3206-42B8-8EF5-2FC160E1827F}" dt="2024-03-11T12:03:00.331" v="33" actId="368"/>
         <pc:sldMkLst>
           <pc:docMk/>
           <pc:sldMk cId="909518638" sldId="357"/>
         </pc:sldMkLst>
       </pc:sldChg>
       <pc:sldChg chg="modNotes">
-        <pc:chgData name="Christopher Berry" userId="468ae48a-5539-4b21-98ea-6081f4d86140" providerId="ADAL" clId="{0FE1E450-E441-42BE-9CA8-03F5DD11C3FF}" dt="2023-12-01T16:15:03.324" v="3" actId="368"/>
+        <pc:chgData name="Christopher Berry" userId="468ae48a-5539-4b21-98ea-6081f4d86140" providerId="ADAL" clId="{077597A2-3206-42B8-8EF5-2FC160E1827F}" dt="2024-03-11T12:03:00.258" v="3" actId="368"/>
         <pc:sldMkLst>
           <pc:docMk/>
           <pc:sldMk cId="526375412" sldId="358"/>
         </pc:sldMkLst>
       </pc:sldChg>
       <pc:sldChg chg="modNotes">
-        <pc:chgData name="Christopher Berry" userId="468ae48a-5539-4b21-98ea-6081f4d86140" providerId="ADAL" clId="{0FE1E450-E441-42BE-9CA8-03F5DD11C3FF}" dt="2023-12-01T16:15:03.333" v="9" actId="368"/>
+        <pc:chgData name="Christopher Berry" userId="468ae48a-5539-4b21-98ea-6081f4d86140" providerId="ADAL" clId="{077597A2-3206-42B8-8EF5-2FC160E1827F}" dt="2024-03-11T12:03:00.273" v="9" actId="368"/>
         <pc:sldMkLst>
           <pc:docMk/>
           <pc:sldMk cId="1039672698" sldId="359"/>
         </pc:sldMkLst>
       </pc:sldChg>
       <pc:sldChg chg="modNotes">
-        <pc:chgData name="Christopher Berry" userId="468ae48a-5539-4b21-98ea-6081f4d86140" providerId="ADAL" clId="{0FE1E450-E441-42BE-9CA8-03F5DD11C3FF}" dt="2023-12-01T16:15:03.338" v="13" actId="368"/>
+        <pc:chgData name="Christopher Berry" userId="468ae48a-5539-4b21-98ea-6081f4d86140" providerId="ADAL" clId="{077597A2-3206-42B8-8EF5-2FC160E1827F}" dt="2024-03-11T12:03:00.283" v="13" actId="368"/>
         <pc:sldMkLst>
           <pc:docMk/>
           <pc:sldMk cId="2442537065" sldId="360"/>
         </pc:sldMkLst>
       </pc:sldChg>
       <pc:sldChg chg="modNotes">
-        <pc:chgData name="Christopher Berry" userId="468ae48a-5539-4b21-98ea-6081f4d86140" providerId="ADAL" clId="{0FE1E450-E441-42BE-9CA8-03F5DD11C3FF}" dt="2023-12-01T16:15:03.327" v="5" actId="368"/>
+        <pc:chgData name="Christopher Berry" userId="468ae48a-5539-4b21-98ea-6081f4d86140" providerId="ADAL" clId="{077597A2-3206-42B8-8EF5-2FC160E1827F}" dt="2024-03-11T12:03:00.262" v="5" actId="368"/>
         <pc:sldMkLst>
           <pc:docMk/>
           <pc:sldMk cId="3482227358" sldId="362"/>
         </pc:sldMkLst>
       </pc:sldChg>
       <pc:sldChg chg="modNotes">
-        <pc:chgData name="Christopher Berry" userId="468ae48a-5539-4b21-98ea-6081f4d86140" providerId="ADAL" clId="{0FE1E450-E441-42BE-9CA8-03F5DD11C3FF}" dt="2023-12-01T16:15:03.330" v="7" actId="368"/>
+        <pc:chgData name="Christopher Berry" userId="468ae48a-5539-4b21-98ea-6081f4d86140" providerId="ADAL" clId="{077597A2-3206-42B8-8EF5-2FC160E1827F}" dt="2024-03-11T12:03:00.268" v="7" actId="368"/>
         <pc:sldMkLst>
           <pc:docMk/>
           <pc:sldMk cId="399881219" sldId="363"/>
         </pc:sldMkLst>
       </pc:sldChg>
       <pc:sldChg chg="modNotes">
-        <pc:chgData name="Christopher Berry" userId="468ae48a-5539-4b21-98ea-6081f4d86140" providerId="ADAL" clId="{0FE1E450-E441-42BE-9CA8-03F5DD11C3FF}" dt="2023-12-01T16:15:03.335" v="11" actId="368"/>
+        <pc:chgData name="Christopher Berry" userId="468ae48a-5539-4b21-98ea-6081f4d86140" providerId="ADAL" clId="{077597A2-3206-42B8-8EF5-2FC160E1827F}" dt="2024-03-11T12:03:00.278" v="11" actId="368"/>
         <pc:sldMkLst>
           <pc:docMk/>
           <pc:sldMk cId="948542933" sldId="365"/>
         </pc:sldMkLst>
       </pc:sldChg>
       <pc:sldChg chg="modNotes">
-        <pc:chgData name="Christopher Berry" userId="468ae48a-5539-4b21-98ea-6081f4d86140" providerId="ADAL" clId="{0FE1E450-E441-42BE-9CA8-03F5DD11C3FF}" dt="2023-12-01T16:15:03.342" v="15" actId="368"/>
+        <pc:chgData name="Christopher Berry" userId="468ae48a-5539-4b21-98ea-6081f4d86140" providerId="ADAL" clId="{077597A2-3206-42B8-8EF5-2FC160E1827F}" dt="2024-03-11T12:03:00.287" v="15" actId="368"/>
         <pc:sldMkLst>
           <pc:docMk/>
           <pc:sldMk cId="4289793266" sldId="366"/>
         </pc:sldMkLst>
       </pc:sldChg>
       <pc:sldChg chg="modNotes">
-        <pc:chgData name="Christopher Berry" userId="468ae48a-5539-4b21-98ea-6081f4d86140" providerId="ADAL" clId="{0FE1E450-E441-42BE-9CA8-03F5DD11C3FF}" dt="2023-12-01T16:15:03.345" v="17" actId="368"/>
+        <pc:chgData name="Christopher Berry" userId="468ae48a-5539-4b21-98ea-6081f4d86140" providerId="ADAL" clId="{077597A2-3206-42B8-8EF5-2FC160E1827F}" dt="2024-03-11T12:03:00.291" v="17" actId="368"/>
         <pc:sldMkLst>
           <pc:docMk/>
           <pc:sldMk cId="3657777566" sldId="367"/>
         </pc:sldMkLst>
       </pc:sldChg>
       <pc:sldChg chg="modNotes">
-        <pc:chgData name="Christopher Berry" userId="468ae48a-5539-4b21-98ea-6081f4d86140" providerId="ADAL" clId="{0FE1E450-E441-42BE-9CA8-03F5DD11C3FF}" dt="2023-12-01T16:15:03.348" v="19" actId="368"/>
+        <pc:chgData name="Christopher Berry" userId="468ae48a-5539-4b21-98ea-6081f4d86140" providerId="ADAL" clId="{077597A2-3206-42B8-8EF5-2FC160E1827F}" dt="2024-03-11T12:03:00.295" v="19" actId="368"/>
         <pc:sldMkLst>
           <pc:docMk/>
           <pc:sldMk cId="42077738" sldId="368"/>
         </pc:sldMkLst>
       </pc:sldChg>
       <pc:sldChg chg="modNotes">
-        <pc:chgData name="Christopher Berry" userId="468ae48a-5539-4b21-98ea-6081f4d86140" providerId="ADAL" clId="{0FE1E450-E441-42BE-9CA8-03F5DD11C3FF}" dt="2023-12-01T16:15:03.351" v="21" actId="368"/>
+        <pc:chgData name="Christopher Berry" userId="468ae48a-5539-4b21-98ea-6081f4d86140" providerId="ADAL" clId="{077597A2-3206-42B8-8EF5-2FC160E1827F}" dt="2024-03-11T12:03:00.300" v="21" actId="368"/>
         <pc:sldMkLst>
           <pc:docMk/>
           <pc:sldMk cId="1181104512" sldId="369"/>
         </pc:sldMkLst>
       </pc:sldChg>
       <pc:sldChg chg="modNotes">
-        <pc:chgData name="Christopher Berry" userId="468ae48a-5539-4b21-98ea-6081f4d86140" providerId="ADAL" clId="{0FE1E450-E441-42BE-9CA8-03F5DD11C3FF}" dt="2023-12-01T16:15:03.363" v="29" actId="368"/>
+        <pc:chgData name="Christopher Berry" userId="468ae48a-5539-4b21-98ea-6081f4d86140" providerId="ADAL" clId="{077597A2-3206-42B8-8EF5-2FC160E1827F}" dt="2024-03-11T12:03:00.321" v="29" actId="368"/>
         <pc:sldMkLst>
           <pc:docMk/>
           <pc:sldMk cId="4007906762" sldId="370"/>
@@ -693,7 +800,7 @@
           <a:p>
             <a:fld id="{39F2F66B-899D-484E-9C99-E1DBE23F9DE9}" type="datetimeFigureOut">
               <a:rPr lang="en-GB" smtClean="0"/>
-              <a:t>15/01/2024</a:t>
+              <a:t>11/03/2024</a:t>
             </a:fld>
             <a:endParaRPr lang="en-GB"/>
           </a:p>
@@ -859,7 +966,7 @@
             <a:fld id="{2C09A945-60CF-41CC-BF14-DA645D9ABE0F}" type="datetimeFigureOut">
               <a:rPr lang="en-GB" smtClean="0"/>
               <a:pPr/>
-              <a:t>15/01/2024</a:t>
+              <a:t>11/03/2024</a:t>
             </a:fld>
             <a:endParaRPr lang="en-GB"/>
           </a:p>
@@ -2796,7 +2903,7 @@
             <a:fld id="{FD207E47-C1CA-47C9-BFA1-FDEFD1CE1BAA}" type="datetime1">
               <a:rPr lang="en-US" smtClean="0"/>
               <a:pPr/>
-              <a:t>1/15/2024</a:t>
+              <a:t>3/11/2024</a:t>
             </a:fld>
             <a:endParaRPr lang="en-US"/>
           </a:p>
@@ -2961,7 +3068,7 @@
             <a:fld id="{58C692B5-BE86-445D-88C0-242C83A9421E}" type="datetime1">
               <a:rPr lang="en-US" smtClean="0"/>
               <a:pPr/>
-              <a:t>1/15/2024</a:t>
+              <a:t>3/11/2024</a:t>
             </a:fld>
             <a:endParaRPr lang="en-US"/>
           </a:p>
@@ -3136,7 +3243,7 @@
             <a:fld id="{6A70B350-EB04-4702-A2C6-BB029CC917C4}" type="datetime1">
               <a:rPr lang="en-US" smtClean="0"/>
               <a:pPr/>
-              <a:t>1/15/2024</a:t>
+              <a:t>3/11/2024</a:t>
             </a:fld>
             <a:endParaRPr lang="en-US"/>
           </a:p>
@@ -3301,7 +3408,7 @@
             <a:fld id="{B19C5C7B-1CCF-4D03-A2E8-D3591213E0F6}" type="datetime1">
               <a:rPr lang="en-US" smtClean="0"/>
               <a:pPr/>
-              <a:t>1/15/2024</a:t>
+              <a:t>3/11/2024</a:t>
             </a:fld>
             <a:endParaRPr lang="en-US"/>
           </a:p>
@@ -3543,7 +3650,7 @@
             <a:fld id="{617DE08F-8114-45C2-9520-EC1882F8A669}" type="datetime1">
               <a:rPr lang="en-US" smtClean="0"/>
               <a:pPr/>
-              <a:t>1/15/2024</a:t>
+              <a:t>3/11/2024</a:t>
             </a:fld>
             <a:endParaRPr lang="en-US"/>
           </a:p>
@@ -3825,7 +3932,7 @@
             <a:fld id="{67FBBCEA-51D6-4D4F-B700-EBDD8904452C}" type="datetime1">
               <a:rPr lang="en-US" smtClean="0"/>
               <a:pPr/>
-              <a:t>1/15/2024</a:t>
+              <a:t>3/11/2024</a:t>
             </a:fld>
             <a:endParaRPr lang="en-US"/>
           </a:p>
@@ -4241,7 +4348,7 @@
             <a:fld id="{7C3355C0-4DE2-42D1-B918-7B0FCE7481FD}" type="datetime1">
               <a:rPr lang="en-US" smtClean="0"/>
               <a:pPr/>
-              <a:t>1/15/2024</a:t>
+              <a:t>3/11/2024</a:t>
             </a:fld>
             <a:endParaRPr lang="en-US"/>
           </a:p>
@@ -4355,7 +4462,7 @@
             <a:fld id="{41F9056E-53B5-467C-A68C-D5DD1F771BB5}" type="datetime1">
               <a:rPr lang="en-US" smtClean="0"/>
               <a:pPr/>
-              <a:t>1/15/2024</a:t>
+              <a:t>3/11/2024</a:t>
             </a:fld>
             <a:endParaRPr lang="en-US"/>
           </a:p>
@@ -4447,7 +4554,7 @@
             <a:fld id="{73236B7C-1414-4D49-8A59-8F56128C501B}" type="datetime1">
               <a:rPr lang="en-US" smtClean="0"/>
               <a:pPr/>
-              <a:t>1/15/2024</a:t>
+              <a:t>3/11/2024</a:t>
             </a:fld>
             <a:endParaRPr lang="en-US"/>
           </a:p>
@@ -4719,7 +4826,7 @@
             <a:fld id="{A40AEADC-23C0-4767-9AD7-3E7B6C343A0A}" type="datetime1">
               <a:rPr lang="en-US" smtClean="0"/>
               <a:pPr/>
-              <a:t>1/15/2024</a:t>
+              <a:t>3/11/2024</a:t>
             </a:fld>
             <a:endParaRPr lang="en-US"/>
           </a:p>
@@ -4968,7 +5075,7 @@
             <a:fld id="{07762B3B-4AFD-4E39-B6F8-E1A2354BA336}" type="datetime1">
               <a:rPr lang="en-US" smtClean="0"/>
               <a:pPr/>
-              <a:t>1/15/2024</a:t>
+              <a:t>3/11/2024</a:t>
             </a:fld>
             <a:endParaRPr lang="en-US"/>
           </a:p>
@@ -5181,7 +5288,7 @@
             <a:fld id="{16C4ABC6-3BA1-4854-92CA-2B0133ECAB44}" type="datetime1">
               <a:rPr lang="en-US" smtClean="0"/>
               <a:pPr/>
-              <a:t>1/15/2024</a:t>
+              <a:t>3/11/2024</a:t>
             </a:fld>
             <a:endParaRPr lang="en-US"/>
           </a:p>
@@ -5745,7 +5852,7 @@
           <p:cNvPr id="5" name="Content Placeholder 2">
             <a:extLst>
               <a:ext uri="{FF2B5EF4-FFF2-40B4-BE49-F238E27FC236}">
-                <a16:creationId xmlns:a16="http://schemas.microsoft.com/office/drawing/2014/main" id="{BE70E46E-3ABD-C511-98DE-B0032C27F111}"/>
+                <a16:creationId xmlns:a16="http://schemas.microsoft.com/office/drawing/2014/main" id="{2C779BCD-5162-0F53-3DA1-E04B1867444D}"/>
               </a:ext>
             </a:extLst>
           </p:cNvPr>
@@ -6177,7 +6284,7 @@
           <p:cNvPr id="6" name="Rectangle 5">
             <a:extLst>
               <a:ext uri="{FF2B5EF4-FFF2-40B4-BE49-F238E27FC236}">
-                <a16:creationId xmlns:a16="http://schemas.microsoft.com/office/drawing/2014/main" id="{6169A7EA-5EEA-5FFE-AB04-ED92B23126A6}"/>
+                <a16:creationId xmlns:a16="http://schemas.microsoft.com/office/drawing/2014/main" id="{0AD84710-9FD3-DE89-F1B0-E03CA2D03B4D}"/>
               </a:ext>
             </a:extLst>
           </p:cNvPr>
@@ -6425,7 +6532,7 @@
           <p:cNvPr id="7" name="Picture 6">
             <a:extLst>
               <a:ext uri="{FF2B5EF4-FFF2-40B4-BE49-F238E27FC236}">
-                <a16:creationId xmlns:a16="http://schemas.microsoft.com/office/drawing/2014/main" id="{A5216111-9A09-32E6-EB0D-1FC6C8D13C0B}"/>
+                <a16:creationId xmlns:a16="http://schemas.microsoft.com/office/drawing/2014/main" id="{7EB58743-A286-D058-BC10-14EC2E36C373}"/>
               </a:ext>
             </a:extLst>
           </p:cNvPr>
@@ -6460,7 +6567,7 @@
           <p:cNvPr id="8" name="Picture 7">
             <a:extLst>
               <a:ext uri="{FF2B5EF4-FFF2-40B4-BE49-F238E27FC236}">
-                <a16:creationId xmlns:a16="http://schemas.microsoft.com/office/drawing/2014/main" id="{2E365534-4B29-5208-D97F-8191031E3864}"/>
+                <a16:creationId xmlns:a16="http://schemas.microsoft.com/office/drawing/2014/main" id="{72F31875-A051-58EB-2DEC-5A3534567934}"/>
               </a:ext>
             </a:extLst>
           </p:cNvPr>
@@ -11985,7 +12092,7 @@
                                           </p:stCondLst>
                                         </p:cTn>
                                         <p:tgtEl>
-                                          <p:spTgt spid="11"/>
+                                          <p:spTgt spid="13"/>
                                         </p:tgtEl>
                                         <p:attrNameLst>
                                           <p:attrName>style.visibility</p:attrName>
@@ -12012,7 +12119,7 @@
                                           </p:stCondLst>
                                         </p:cTn>
                                         <p:tgtEl>
-                                          <p:spTgt spid="10"/>
+                                          <p:spTgt spid="12"/>
                                         </p:tgtEl>
                                         <p:attrNameLst>
                                           <p:attrName>style.visibility</p:attrName>
@@ -12044,7 +12151,7 @@
                             </p:stCondLst>
                             <p:childTnLst>
                               <p:par>
-                                <p:cTn id="35" presetID="1" presetClass="entr" presetSubtype="0" fill="hold" nodeType="clickEffect">
+                                <p:cTn id="35" presetID="1" presetClass="entr" presetSubtype="0" fill="hold" grpId="0" nodeType="clickEffect">
                                   <p:stCondLst>
                                     <p:cond delay="0"/>
                                   </p:stCondLst>
@@ -12057,7 +12164,7 @@
                                           </p:stCondLst>
                                         </p:cTn>
                                         <p:tgtEl>
-                                          <p:spTgt spid="8"/>
+                                          <p:spTgt spid="11"/>
                                         </p:tgtEl>
                                         <p:attrNameLst>
                                           <p:attrName>style.visibility</p:attrName>
@@ -12071,7 +12178,7 @@
                                 </p:cTn>
                               </p:par>
                               <p:par>
-                                <p:cTn id="37" presetID="1" presetClass="entr" presetSubtype="0" fill="hold" grpId="0" nodeType="withEffect">
+                                <p:cTn id="37" presetID="1" presetClass="entr" presetSubtype="0" fill="hold" nodeType="withEffect">
                                   <p:stCondLst>
                                     <p:cond delay="0"/>
                                   </p:stCondLst>
@@ -12084,7 +12191,7 @@
                                           </p:stCondLst>
                                         </p:cTn>
                                         <p:tgtEl>
-                                          <p:spTgt spid="9"/>
+                                          <p:spTgt spid="10"/>
                                         </p:tgtEl>
                                         <p:attrNameLst>
                                           <p:attrName>style.visibility</p:attrName>
@@ -12116,7 +12223,7 @@
                             </p:stCondLst>
                             <p:childTnLst>
                               <p:par>
-                                <p:cTn id="41" presetID="1" presetClass="entr" presetSubtype="0" fill="hold" grpId="0" nodeType="clickEffect">
+                                <p:cTn id="41" presetID="1" presetClass="entr" presetSubtype="0" fill="hold" nodeType="clickEffect">
                                   <p:stCondLst>
                                     <p:cond delay="0"/>
                                   </p:stCondLst>
@@ -12129,7 +12236,34 @@
                                           </p:stCondLst>
                                         </p:cTn>
                                         <p:tgtEl>
-                                          <p:spTgt spid="17"/>
+                                          <p:spTgt spid="8"/>
+                                        </p:tgtEl>
+                                        <p:attrNameLst>
+                                          <p:attrName>style.visibility</p:attrName>
+                                        </p:attrNameLst>
+                                      </p:cBhvr>
+                                      <p:to>
+                                        <p:strVal val="visible"/>
+                                      </p:to>
+                                    </p:set>
+                                  </p:childTnLst>
+                                </p:cTn>
+                              </p:par>
+                              <p:par>
+                                <p:cTn id="43" presetID="1" presetClass="entr" presetSubtype="0" fill="hold" grpId="0" nodeType="withEffect">
+                                  <p:stCondLst>
+                                    <p:cond delay="0"/>
+                                  </p:stCondLst>
+                                  <p:childTnLst>
+                                    <p:set>
+                                      <p:cBhvr>
+                                        <p:cTn id="44" dur="1" fill="hold">
+                                          <p:stCondLst>
+                                            <p:cond delay="0"/>
+                                          </p:stCondLst>
+                                        </p:cTn>
+                                        <p:tgtEl>
+                                          <p:spTgt spid="9"/>
                                         </p:tgtEl>
                                         <p:attrNameLst>
                                           <p:attrName>style.visibility</p:attrName>
@@ -12149,46 +12283,19 @@
                     </p:cTn>
                   </p:par>
                   <p:par>
-                    <p:cTn id="43" fill="hold">
+                    <p:cTn id="45" fill="hold">
                       <p:stCondLst>
                         <p:cond delay="indefinite"/>
                       </p:stCondLst>
                       <p:childTnLst>
                         <p:par>
-                          <p:cTn id="44" fill="hold">
+                          <p:cTn id="46" fill="hold">
                             <p:stCondLst>
                               <p:cond delay="0"/>
                             </p:stCondLst>
                             <p:childTnLst>
                               <p:par>
-                                <p:cTn id="45" presetID="1" presetClass="entr" presetSubtype="0" fill="hold" grpId="0" nodeType="clickEffect">
-                                  <p:stCondLst>
-                                    <p:cond delay="0"/>
-                                  </p:stCondLst>
-                                  <p:childTnLst>
-                                    <p:set>
-                                      <p:cBhvr>
-                                        <p:cTn id="46" dur="1" fill="hold">
-                                          <p:stCondLst>
-                                            <p:cond delay="0"/>
-                                          </p:stCondLst>
-                                        </p:cTn>
-                                        <p:tgtEl>
-                                          <p:spTgt spid="13"/>
-                                        </p:tgtEl>
-                                        <p:attrNameLst>
-                                          <p:attrName>style.visibility</p:attrName>
-                                        </p:attrNameLst>
-                                      </p:cBhvr>
-                                      <p:to>
-                                        <p:strVal val="visible"/>
-                                      </p:to>
-                                    </p:set>
-                                  </p:childTnLst>
-                                </p:cTn>
-                              </p:par>
-                              <p:par>
-                                <p:cTn id="47" presetID="1" presetClass="entr" presetSubtype="0" fill="hold" nodeType="withEffect">
+                                <p:cTn id="47" presetID="1" presetClass="entr" presetSubtype="0" fill="hold" grpId="0" nodeType="clickEffect">
                                   <p:stCondLst>
                                     <p:cond delay="0"/>
                                   </p:stCondLst>
@@ -12201,7 +12308,7 @@
                                           </p:stCondLst>
                                         </p:cTn>
                                         <p:tgtEl>
-                                          <p:spTgt spid="12"/>
+                                          <p:spTgt spid="17"/>
                                         </p:tgtEl>
                                         <p:attrNameLst>
                                           <p:attrName>style.visibility</p:attrName>
@@ -13787,6 +13894,456 @@
                       </p:childTnLst>
                     </p:cTn>
                   </p:par>
+                  <p:par>
+                    <p:cTn id="39" fill="hold">
+                      <p:stCondLst>
+                        <p:cond delay="indefinite"/>
+                      </p:stCondLst>
+                      <p:childTnLst>
+                        <p:par>
+                          <p:cTn id="40" fill="hold">
+                            <p:stCondLst>
+                              <p:cond delay="0"/>
+                            </p:stCondLst>
+                            <p:childTnLst>
+                              <p:par>
+                                <p:cTn id="41" presetID="1" presetClass="entr" presetSubtype="0" fill="hold" grpId="0" nodeType="clickEffect">
+                                  <p:stCondLst>
+                                    <p:cond delay="0"/>
+                                  </p:stCondLst>
+                                  <p:childTnLst>
+                                    <p:set>
+                                      <p:cBhvr>
+                                        <p:cTn id="42" dur="1" fill="hold">
+                                          <p:stCondLst>
+                                            <p:cond delay="0"/>
+                                          </p:stCondLst>
+                                        </p:cTn>
+                                        <p:tgtEl>
+                                          <p:spTgt spid="9"/>
+                                        </p:tgtEl>
+                                        <p:attrNameLst>
+                                          <p:attrName>style.visibility</p:attrName>
+                                        </p:attrNameLst>
+                                      </p:cBhvr>
+                                      <p:to>
+                                        <p:strVal val="visible"/>
+                                      </p:to>
+                                    </p:set>
+                                  </p:childTnLst>
+                                </p:cTn>
+                              </p:par>
+                              <p:par>
+                                <p:cTn id="43" presetID="1" presetClass="entr" presetSubtype="0" fill="hold" grpId="0" nodeType="withEffect">
+                                  <p:stCondLst>
+                                    <p:cond delay="0"/>
+                                  </p:stCondLst>
+                                  <p:childTnLst>
+                                    <p:set>
+                                      <p:cBhvr>
+                                        <p:cTn id="44" dur="1" fill="hold">
+                                          <p:stCondLst>
+                                            <p:cond delay="0"/>
+                                          </p:stCondLst>
+                                        </p:cTn>
+                                        <p:tgtEl>
+                                          <p:spTgt spid="11"/>
+                                        </p:tgtEl>
+                                        <p:attrNameLst>
+                                          <p:attrName>style.visibility</p:attrName>
+                                        </p:attrNameLst>
+                                      </p:cBhvr>
+                                      <p:to>
+                                        <p:strVal val="visible"/>
+                                      </p:to>
+                                    </p:set>
+                                  </p:childTnLst>
+                                </p:cTn>
+                              </p:par>
+                              <p:par>
+                                <p:cTn id="45" presetID="1" presetClass="entr" presetSubtype="0" fill="hold" nodeType="withEffect">
+                                  <p:stCondLst>
+                                    <p:cond delay="0"/>
+                                  </p:stCondLst>
+                                  <p:childTnLst>
+                                    <p:set>
+                                      <p:cBhvr>
+                                        <p:cTn id="46" dur="1" fill="hold">
+                                          <p:stCondLst>
+                                            <p:cond delay="0"/>
+                                          </p:stCondLst>
+                                        </p:cTn>
+                                        <p:tgtEl>
+                                          <p:spTgt spid="18"/>
+                                        </p:tgtEl>
+                                        <p:attrNameLst>
+                                          <p:attrName>style.visibility</p:attrName>
+                                        </p:attrNameLst>
+                                      </p:cBhvr>
+                                      <p:to>
+                                        <p:strVal val="visible"/>
+                                      </p:to>
+                                    </p:set>
+                                  </p:childTnLst>
+                                </p:cTn>
+                              </p:par>
+                              <p:par>
+                                <p:cTn id="47" presetID="1" presetClass="entr" presetSubtype="0" fill="hold" nodeType="withEffect">
+                                  <p:stCondLst>
+                                    <p:cond delay="0"/>
+                                  </p:stCondLst>
+                                  <p:childTnLst>
+                                    <p:set>
+                                      <p:cBhvr>
+                                        <p:cTn id="48" dur="1" fill="hold">
+                                          <p:stCondLst>
+                                            <p:cond delay="0"/>
+                                          </p:stCondLst>
+                                        </p:cTn>
+                                        <p:tgtEl>
+                                          <p:spTgt spid="21"/>
+                                        </p:tgtEl>
+                                        <p:attrNameLst>
+                                          <p:attrName>style.visibility</p:attrName>
+                                        </p:attrNameLst>
+                                      </p:cBhvr>
+                                      <p:to>
+                                        <p:strVal val="visible"/>
+                                      </p:to>
+                                    </p:set>
+                                  </p:childTnLst>
+                                </p:cTn>
+                              </p:par>
+                              <p:par>
+                                <p:cTn id="49" presetID="1" presetClass="entr" presetSubtype="0" fill="hold" nodeType="withEffect">
+                                  <p:stCondLst>
+                                    <p:cond delay="0"/>
+                                  </p:stCondLst>
+                                  <p:childTnLst>
+                                    <p:set>
+                                      <p:cBhvr>
+                                        <p:cTn id="50" dur="1" fill="hold">
+                                          <p:stCondLst>
+                                            <p:cond delay="0"/>
+                                          </p:stCondLst>
+                                        </p:cTn>
+                                        <p:tgtEl>
+                                          <p:spTgt spid="23"/>
+                                        </p:tgtEl>
+                                        <p:attrNameLst>
+                                          <p:attrName>style.visibility</p:attrName>
+                                        </p:attrNameLst>
+                                      </p:cBhvr>
+                                      <p:to>
+                                        <p:strVal val="visible"/>
+                                      </p:to>
+                                    </p:set>
+                                  </p:childTnLst>
+                                </p:cTn>
+                              </p:par>
+                              <p:par>
+                                <p:cTn id="51" presetID="1" presetClass="entr" presetSubtype="0" fill="hold" nodeType="withEffect">
+                                  <p:stCondLst>
+                                    <p:cond delay="0"/>
+                                  </p:stCondLst>
+                                  <p:childTnLst>
+                                    <p:set>
+                                      <p:cBhvr>
+                                        <p:cTn id="52" dur="1" fill="hold">
+                                          <p:stCondLst>
+                                            <p:cond delay="0"/>
+                                          </p:stCondLst>
+                                        </p:cTn>
+                                        <p:tgtEl>
+                                          <p:spTgt spid="1024"/>
+                                        </p:tgtEl>
+                                        <p:attrNameLst>
+                                          <p:attrName>style.visibility</p:attrName>
+                                        </p:attrNameLst>
+                                      </p:cBhvr>
+                                      <p:to>
+                                        <p:strVal val="visible"/>
+                                      </p:to>
+                                    </p:set>
+                                  </p:childTnLst>
+                                </p:cTn>
+                              </p:par>
+                              <p:par>
+                                <p:cTn id="53" presetID="1" presetClass="entr" presetSubtype="0" fill="hold" nodeType="withEffect">
+                                  <p:stCondLst>
+                                    <p:cond delay="0"/>
+                                  </p:stCondLst>
+                                  <p:childTnLst>
+                                    <p:set>
+                                      <p:cBhvr>
+                                        <p:cTn id="54" dur="1" fill="hold">
+                                          <p:stCondLst>
+                                            <p:cond delay="0"/>
+                                          </p:stCondLst>
+                                        </p:cTn>
+                                        <p:tgtEl>
+                                          <p:spTgt spid="10"/>
+                                        </p:tgtEl>
+                                        <p:attrNameLst>
+                                          <p:attrName>style.visibility</p:attrName>
+                                        </p:attrNameLst>
+                                      </p:cBhvr>
+                                      <p:to>
+                                        <p:strVal val="visible"/>
+                                      </p:to>
+                                    </p:set>
+                                  </p:childTnLst>
+                                </p:cTn>
+                              </p:par>
+                              <p:par>
+                                <p:cTn id="55" presetID="1" presetClass="entr" presetSubtype="0" fill="hold" nodeType="withEffect">
+                                  <p:stCondLst>
+                                    <p:cond delay="0"/>
+                                  </p:stCondLst>
+                                  <p:childTnLst>
+                                    <p:set>
+                                      <p:cBhvr>
+                                        <p:cTn id="56" dur="1" fill="hold">
+                                          <p:stCondLst>
+                                            <p:cond delay="0"/>
+                                          </p:stCondLst>
+                                        </p:cTn>
+                                        <p:tgtEl>
+                                          <p:spTgt spid="8"/>
+                                        </p:tgtEl>
+                                        <p:attrNameLst>
+                                          <p:attrName>style.visibility</p:attrName>
+                                        </p:attrNameLst>
+                                      </p:cBhvr>
+                                      <p:to>
+                                        <p:strVal val="visible"/>
+                                      </p:to>
+                                    </p:set>
+                                  </p:childTnLst>
+                                </p:cTn>
+                              </p:par>
+                              <p:par>
+                                <p:cTn id="57" presetID="1" presetClass="entr" presetSubtype="0" fill="hold" nodeType="withEffect">
+                                  <p:stCondLst>
+                                    <p:cond delay="0"/>
+                                  </p:stCondLst>
+                                  <p:childTnLst>
+                                    <p:set>
+                                      <p:cBhvr>
+                                        <p:cTn id="58" dur="1" fill="hold">
+                                          <p:stCondLst>
+                                            <p:cond delay="0"/>
+                                          </p:stCondLst>
+                                        </p:cTn>
+                                        <p:tgtEl>
+                                          <p:spTgt spid="39"/>
+                                        </p:tgtEl>
+                                        <p:attrNameLst>
+                                          <p:attrName>style.visibility</p:attrName>
+                                        </p:attrNameLst>
+                                      </p:cBhvr>
+                                      <p:to>
+                                        <p:strVal val="visible"/>
+                                      </p:to>
+                                    </p:set>
+                                  </p:childTnLst>
+                                </p:cTn>
+                              </p:par>
+                              <p:par>
+                                <p:cTn id="59" presetID="1" presetClass="entr" presetSubtype="0" fill="hold" grpId="0" nodeType="withEffect">
+                                  <p:stCondLst>
+                                    <p:cond delay="0"/>
+                                  </p:stCondLst>
+                                  <p:childTnLst>
+                                    <p:set>
+                                      <p:cBhvr>
+                                        <p:cTn id="60" dur="1" fill="hold">
+                                          <p:stCondLst>
+                                            <p:cond delay="0"/>
+                                          </p:stCondLst>
+                                        </p:cTn>
+                                        <p:tgtEl>
+                                          <p:spTgt spid="1032"/>
+                                        </p:tgtEl>
+                                        <p:attrNameLst>
+                                          <p:attrName>style.visibility</p:attrName>
+                                        </p:attrNameLst>
+                                      </p:cBhvr>
+                                      <p:to>
+                                        <p:strVal val="visible"/>
+                                      </p:to>
+                                    </p:set>
+                                  </p:childTnLst>
+                                </p:cTn>
+                              </p:par>
+                              <p:par>
+                                <p:cTn id="61" presetID="1" presetClass="entr" presetSubtype="0" fill="hold" grpId="0" nodeType="withEffect">
+                                  <p:stCondLst>
+                                    <p:cond delay="0"/>
+                                  </p:stCondLst>
+                                  <p:childTnLst>
+                                    <p:set>
+                                      <p:cBhvr>
+                                        <p:cTn id="62" dur="1" fill="hold">
+                                          <p:stCondLst>
+                                            <p:cond delay="0"/>
+                                          </p:stCondLst>
+                                        </p:cTn>
+                                        <p:tgtEl>
+                                          <p:spTgt spid="42"/>
+                                        </p:tgtEl>
+                                        <p:attrNameLst>
+                                          <p:attrName>style.visibility</p:attrName>
+                                        </p:attrNameLst>
+                                      </p:cBhvr>
+                                      <p:to>
+                                        <p:strVal val="visible"/>
+                                      </p:to>
+                                    </p:set>
+                                  </p:childTnLst>
+                                </p:cTn>
+                              </p:par>
+                              <p:par>
+                                <p:cTn id="63" presetID="1" presetClass="entr" presetSubtype="0" fill="hold" grpId="0" nodeType="withEffect">
+                                  <p:stCondLst>
+                                    <p:cond delay="0"/>
+                                  </p:stCondLst>
+                                  <p:childTnLst>
+                                    <p:set>
+                                      <p:cBhvr>
+                                        <p:cTn id="64" dur="1" fill="hold">
+                                          <p:stCondLst>
+                                            <p:cond delay="0"/>
+                                          </p:stCondLst>
+                                        </p:cTn>
+                                        <p:tgtEl>
+                                          <p:spTgt spid="43"/>
+                                        </p:tgtEl>
+                                        <p:attrNameLst>
+                                          <p:attrName>style.visibility</p:attrName>
+                                        </p:attrNameLst>
+                                      </p:cBhvr>
+                                      <p:to>
+                                        <p:strVal val="visible"/>
+                                      </p:to>
+                                    </p:set>
+                                  </p:childTnLst>
+                                </p:cTn>
+                              </p:par>
+                              <p:par>
+                                <p:cTn id="65" presetID="1" presetClass="entr" presetSubtype="0" fill="hold" nodeType="withEffect">
+                                  <p:stCondLst>
+                                    <p:cond delay="0"/>
+                                  </p:stCondLst>
+                                  <p:childTnLst>
+                                    <p:set>
+                                      <p:cBhvr>
+                                        <p:cTn id="66" dur="1" fill="hold">
+                                          <p:stCondLst>
+                                            <p:cond delay="0"/>
+                                          </p:stCondLst>
+                                        </p:cTn>
+                                        <p:tgtEl>
+                                          <p:spTgt spid="44"/>
+                                        </p:tgtEl>
+                                        <p:attrNameLst>
+                                          <p:attrName>style.visibility</p:attrName>
+                                        </p:attrNameLst>
+                                      </p:cBhvr>
+                                      <p:to>
+                                        <p:strVal val="visible"/>
+                                      </p:to>
+                                    </p:set>
+                                  </p:childTnLst>
+                                </p:cTn>
+                              </p:par>
+                              <p:par>
+                                <p:cTn id="67" presetID="1" presetClass="entr" presetSubtype="0" fill="hold" nodeType="withEffect">
+                                  <p:stCondLst>
+                                    <p:cond delay="0"/>
+                                  </p:stCondLst>
+                                  <p:childTnLst>
+                                    <p:set>
+                                      <p:cBhvr>
+                                        <p:cTn id="68" dur="1" fill="hold">
+                                          <p:stCondLst>
+                                            <p:cond delay="0"/>
+                                          </p:stCondLst>
+                                        </p:cTn>
+                                        <p:tgtEl>
+                                          <p:spTgt spid="46"/>
+                                        </p:tgtEl>
+                                        <p:attrNameLst>
+                                          <p:attrName>style.visibility</p:attrName>
+                                        </p:attrNameLst>
+                                      </p:cBhvr>
+                                      <p:to>
+                                        <p:strVal val="visible"/>
+                                      </p:to>
+                                    </p:set>
+                                  </p:childTnLst>
+                                </p:cTn>
+                              </p:par>
+                              <p:par>
+                                <p:cTn id="69" presetID="1" presetClass="entr" presetSubtype="0" fill="hold" grpId="0" nodeType="withEffect">
+                                  <p:stCondLst>
+                                    <p:cond delay="0"/>
+                                  </p:stCondLst>
+                                  <p:childTnLst>
+                                    <p:set>
+                                      <p:cBhvr>
+                                        <p:cTn id="70" dur="1" fill="hold">
+                                          <p:stCondLst>
+                                            <p:cond delay="0"/>
+                                          </p:stCondLst>
+                                        </p:cTn>
+                                        <p:tgtEl>
+                                          <p:spTgt spid="47"/>
+                                        </p:tgtEl>
+                                        <p:attrNameLst>
+                                          <p:attrName>style.visibility</p:attrName>
+                                        </p:attrNameLst>
+                                      </p:cBhvr>
+                                      <p:to>
+                                        <p:strVal val="visible"/>
+                                      </p:to>
+                                    </p:set>
+                                  </p:childTnLst>
+                                </p:cTn>
+                              </p:par>
+                              <p:par>
+                                <p:cTn id="71" presetID="1" presetClass="entr" presetSubtype="0" fill="hold" grpId="0" nodeType="withEffect">
+                                  <p:stCondLst>
+                                    <p:cond delay="0"/>
+                                  </p:stCondLst>
+                                  <p:childTnLst>
+                                    <p:set>
+                                      <p:cBhvr>
+                                        <p:cTn id="72" dur="1" fill="hold">
+                                          <p:stCondLst>
+                                            <p:cond delay="0"/>
+                                          </p:stCondLst>
+                                        </p:cTn>
+                                        <p:tgtEl>
+                                          <p:spTgt spid="50"/>
+                                        </p:tgtEl>
+                                        <p:attrNameLst>
+                                          <p:attrName>style.visibility</p:attrName>
+                                        </p:attrNameLst>
+                                      </p:cBhvr>
+                                      <p:to>
+                                        <p:strVal val="visible"/>
+                                      </p:to>
+                                    </p:set>
+                                  </p:childTnLst>
+                                </p:cTn>
+                              </p:par>
+                            </p:childTnLst>
+                          </p:cTn>
+                        </p:par>
+                      </p:childTnLst>
+                    </p:cTn>
+                  </p:par>
                 </p:childTnLst>
               </p:cTn>
               <p:prevCondLst>
@@ -13808,6 +14365,15 @@
         </p:cTn>
       </p:par>
     </p:tnLst>
+    <p:bldLst>
+      <p:bldP spid="9" grpId="0"/>
+      <p:bldP spid="11" grpId="0"/>
+      <p:bldP spid="1032" grpId="0"/>
+      <p:bldP spid="42" grpId="0"/>
+      <p:bldP spid="43" grpId="0"/>
+      <p:bldP spid="47" grpId="0"/>
+      <p:bldP spid="50" grpId="0"/>
+    </p:bldLst>
   </p:timing>
 </p:sld>
 </file>
